--- a/file/ProjectDemo.pptx
+++ b/file/ProjectDemo.pptx
@@ -1,22 +1,19 @@
 
 <file path=ppt/presentation.xml><?xml version="1.0" encoding="utf-8"?>
-<p:presentation xmlns:a="http://schemas.openxmlformats.org/drawingml/2006/main" xmlns:r="http://schemas.openxmlformats.org/officeDocument/2006/relationships" xmlns:p="http://schemas.openxmlformats.org/presentationml/2006/main" saveSubsetFonts="1">
+<p:presentation xmlns:a="http://schemas.openxmlformats.org/drawingml/2006/main" xmlns:r="http://schemas.openxmlformats.org/officeDocument/2006/relationships" xmlns:p="http://schemas.openxmlformats.org/presentationml/2006/main">
   <p:sldMasterIdLst>
     <p:sldMasterId id="2147483648" r:id="rId1"/>
   </p:sldMasterIdLst>
   <p:notesMasterIdLst>
-    <p:notesMasterId r:id="rId5"/>
+    <p:notesMasterId r:id="rId4"/>
   </p:notesMasterIdLst>
   <p:sldIdLst>
-    <p:sldId id="259" r:id="rId2"/>
-    <p:sldId id="276" r:id="rId3"/>
-    <p:sldId id="272" r:id="rId4"/>
+    <p:sldId id="259" r:id="rId3"/>
+    <p:sldId id="276" r:id="rId5"/>
+    <p:sldId id="272" r:id="rId6"/>
   </p:sldIdLst>
   <p:sldSz cx="12192000" cy="6858000"/>
   <p:notesSz cx="6858000" cy="9144000"/>
-  <p:custDataLst>
-    <p:tags r:id="rId6"/>
-  </p:custDataLst>
   <p:defaultTextStyle>
     <a:defPPr>
       <a:defRPr lang="zh-CN"/>
@@ -112,27 +109,7 @@
       </a:defRPr>
     </a:lvl9pPr>
   </p:defaultTextStyle>
-  <p:extLst>
-    <p:ext uri="{EFAFB233-063F-42B5-8137-9DF3F51BA10A}">
-      <p15:sldGuideLst xmlns:p15="http://schemas.microsoft.com/office/powerpoint/2012/main">
-        <p15:guide id="1" orient="horz" pos="2160" userDrawn="1">
-          <p15:clr>
-            <a:srgbClr val="A4A3A4"/>
-          </p15:clr>
-        </p15:guide>
-        <p15:guide id="2" pos="3840" userDrawn="1">
-          <p15:clr>
-            <a:srgbClr val="A4A3A4"/>
-          </p15:clr>
-        </p15:guide>
-      </p15:sldGuideLst>
-    </p:ext>
-  </p:extLst>
 </p:presentation>
-</file>
-
-<file path=ppt/revisionInfo.xml><?xml version="1.0" encoding="utf-8"?>
-<p1510:revInfo xmlns:a="http://schemas.openxmlformats.org/drawingml/2006/main" xmlns:r="http://schemas.openxmlformats.org/officeDocument/2006/relationships" xmlns:p1510="http://schemas.microsoft.com/office/powerpoint/2015/10/main"/>
 </file>
 
 <file path=ppt/notesMasters/notesMaster1.xml><?xml version="1.0" encoding="utf-8"?>
@@ -217,7 +194,6 @@
           <a:p>
             <a:fld id="{072B85DD-D063-4B01-A714-60316038D75D}" type="datetimeFigureOut">
               <a:rPr lang="zh-CN" altLang="en-US" smtClean="0"/>
-              <a:t>2018/10/24</a:t>
             </a:fld>
             <a:endParaRPr lang="zh-CN" altLang="en-US"/>
           </a:p>
@@ -284,6 +260,7 @@
               <a:rPr lang="zh-CN" altLang="en-US"/>
               <a:t>单击此处编辑母版文本样式</a:t>
             </a:r>
+            <a:endParaRPr lang="zh-CN" altLang="en-US"/>
           </a:p>
           <a:p>
             <a:pPr lvl="1"/>
@@ -291,6 +268,7 @@
               <a:rPr lang="zh-CN" altLang="en-US"/>
               <a:t>第二级</a:t>
             </a:r>
+            <a:endParaRPr lang="zh-CN" altLang="en-US"/>
           </a:p>
           <a:p>
             <a:pPr lvl="2"/>
@@ -298,6 +276,7 @@
               <a:rPr lang="zh-CN" altLang="en-US"/>
               <a:t>第三级</a:t>
             </a:r>
+            <a:endParaRPr lang="zh-CN" altLang="en-US"/>
           </a:p>
           <a:p>
             <a:pPr lvl="3"/>
@@ -305,6 +284,7 @@
               <a:rPr lang="zh-CN" altLang="en-US"/>
               <a:t>第四级</a:t>
             </a:r>
+            <a:endParaRPr lang="zh-CN" altLang="en-US"/>
           </a:p>
           <a:p>
             <a:pPr lvl="4"/>
@@ -312,6 +292,7 @@
               <a:rPr lang="zh-CN" altLang="en-US"/>
               <a:t>第五级</a:t>
             </a:r>
+            <a:endParaRPr lang="zh-CN" altLang="en-US"/>
           </a:p>
         </p:txBody>
       </p:sp>
@@ -375,18 +356,12 @@
           <a:p>
             <a:fld id="{310566DE-B94F-48C8-B499-9EED89F4BDC3}" type="slidenum">
               <a:rPr lang="zh-CN" altLang="en-US" smtClean="0"/>
-              <a:t>‹#›</a:t>
             </a:fld>
             <a:endParaRPr lang="zh-CN" altLang="en-US"/>
           </a:p>
         </p:txBody>
       </p:sp>
     </p:spTree>
-    <p:extLst>
-      <p:ext uri="{BB962C8B-B14F-4D97-AF65-F5344CB8AC3E}">
-        <p14:creationId xmlns:p14="http://schemas.microsoft.com/office/powerpoint/2010/main" val="1832279533"/>
-      </p:ext>
-    </p:extLst>
   </p:cSld>
   <p:clrMap bg1="lt1" tx1="dk1" bg2="lt2" tx2="dk2" accent1="accent1" accent2="accent2" accent3="accent3" accent4="accent4" accent5="accent5" accent6="accent6" hlink="hlink" folHlink="folHlink"/>
   <p:notesStyle>
@@ -549,18 +524,12 @@
           <a:p>
             <a:fld id="{310566DE-B94F-48C8-B499-9EED89F4BDC3}" type="slidenum">
               <a:rPr lang="zh-CN" altLang="en-US" smtClean="0"/>
-              <a:t>1</a:t>
             </a:fld>
             <a:endParaRPr lang="zh-CN" altLang="en-US"/>
           </a:p>
         </p:txBody>
       </p:sp>
     </p:spTree>
-    <p:extLst>
-      <p:ext uri="{BB962C8B-B14F-4D97-AF65-F5344CB8AC3E}">
-        <p14:creationId xmlns:p14="http://schemas.microsoft.com/office/powerpoint/2010/main" val="4004892176"/>
-      </p:ext>
-    </p:extLst>
   </p:cSld>
   <p:clrMapOvr>
     <a:masterClrMapping/>
@@ -633,18 +602,12 @@
           <a:p>
             <a:fld id="{310566DE-B94F-48C8-B499-9EED89F4BDC3}" type="slidenum">
               <a:rPr lang="zh-CN" altLang="en-US" smtClean="0"/>
-              <a:t>2</a:t>
             </a:fld>
             <a:endParaRPr lang="zh-CN" altLang="en-US"/>
           </a:p>
         </p:txBody>
       </p:sp>
     </p:spTree>
-    <p:extLst>
-      <p:ext uri="{BB962C8B-B14F-4D97-AF65-F5344CB8AC3E}">
-        <p14:creationId xmlns:p14="http://schemas.microsoft.com/office/powerpoint/2010/main" val="98587998"/>
-      </p:ext>
-    </p:extLst>
   </p:cSld>
   <p:clrMapOvr>
     <a:masterClrMapping/>
@@ -717,18 +680,12 @@
           <a:p>
             <a:fld id="{310566DE-B94F-48C8-B499-9EED89F4BDC3}" type="slidenum">
               <a:rPr lang="zh-CN" altLang="en-US" smtClean="0"/>
-              <a:t>3</a:t>
             </a:fld>
             <a:endParaRPr lang="zh-CN" altLang="en-US"/>
           </a:p>
         </p:txBody>
       </p:sp>
     </p:spTree>
-    <p:extLst>
-      <p:ext uri="{BB962C8B-B14F-4D97-AF65-F5344CB8AC3E}">
-        <p14:creationId xmlns:p14="http://schemas.microsoft.com/office/powerpoint/2010/main" val="2260615004"/>
-      </p:ext>
-    </p:extLst>
   </p:cSld>
   <p:clrMapOvr>
     <a:masterClrMapping/>
@@ -784,6 +741,7 @@
               <a:rPr lang="zh-CN" altLang="en-US"/>
               <a:t>单击此处编辑母版标题样式</a:t>
             </a:r>
+            <a:endParaRPr lang="zh-CN" altLang="en-US"/>
           </a:p>
         </p:txBody>
       </p:sp>
@@ -851,6 +809,7 @@
               <a:rPr lang="zh-CN" altLang="en-US"/>
               <a:t>单击此处编辑母版副标题样式</a:t>
             </a:r>
+            <a:endParaRPr lang="zh-CN" altLang="en-US"/>
           </a:p>
         </p:txBody>
       </p:sp>
@@ -879,7 +838,6 @@
           <a:p>
             <a:fld id="{F91A66E9-94DB-4796-808B-8A3CE0FBB6C5}" type="datetimeFigureOut">
               <a:rPr lang="zh-CN" altLang="en-US" smtClean="0"/>
-              <a:t>2018/10/24</a:t>
             </a:fld>
             <a:endParaRPr lang="zh-CN" altLang="en-US"/>
           </a:p>
@@ -937,18 +895,12 @@
           <a:p>
             <a:fld id="{AB9546ED-7A57-4FAD-960C-25C9ACD886ED}" type="slidenum">
               <a:rPr lang="zh-CN" altLang="en-US" smtClean="0"/>
-              <a:t>‹#›</a:t>
             </a:fld>
             <a:endParaRPr lang="zh-CN" altLang="en-US"/>
           </a:p>
         </p:txBody>
       </p:sp>
     </p:spTree>
-    <p:extLst>
-      <p:ext uri="{BB962C8B-B14F-4D97-AF65-F5344CB8AC3E}">
-        <p14:creationId xmlns:p14="http://schemas.microsoft.com/office/powerpoint/2010/main" val="2292557265"/>
-      </p:ext>
-    </p:extLst>
   </p:cSld>
   <p:clrMapOvr>
     <a:masterClrMapping/>
@@ -1000,6 +952,7 @@
               <a:rPr lang="zh-CN" altLang="en-US"/>
               <a:t>单击此处编辑母版标题样式</a:t>
             </a:r>
+            <a:endParaRPr lang="zh-CN" altLang="en-US"/>
           </a:p>
         </p:txBody>
       </p:sp>
@@ -1031,6 +984,7 @@
               <a:rPr lang="zh-CN" altLang="en-US"/>
               <a:t>单击此处编辑母版文本样式</a:t>
             </a:r>
+            <a:endParaRPr lang="zh-CN" altLang="en-US"/>
           </a:p>
           <a:p>
             <a:pPr lvl="1"/>
@@ -1038,6 +992,7 @@
               <a:rPr lang="zh-CN" altLang="en-US"/>
               <a:t>第二级</a:t>
             </a:r>
+            <a:endParaRPr lang="zh-CN" altLang="en-US"/>
           </a:p>
           <a:p>
             <a:pPr lvl="2"/>
@@ -1045,6 +1000,7 @@
               <a:rPr lang="zh-CN" altLang="en-US"/>
               <a:t>第三级</a:t>
             </a:r>
+            <a:endParaRPr lang="zh-CN" altLang="en-US"/>
           </a:p>
           <a:p>
             <a:pPr lvl="3"/>
@@ -1052,6 +1008,7 @@
               <a:rPr lang="zh-CN" altLang="en-US"/>
               <a:t>第四级</a:t>
             </a:r>
+            <a:endParaRPr lang="zh-CN" altLang="en-US"/>
           </a:p>
           <a:p>
             <a:pPr lvl="4"/>
@@ -1059,6 +1016,7 @@
               <a:rPr lang="zh-CN" altLang="en-US"/>
               <a:t>第五级</a:t>
             </a:r>
+            <a:endParaRPr lang="zh-CN" altLang="en-US"/>
           </a:p>
         </p:txBody>
       </p:sp>
@@ -1087,7 +1045,6 @@
           <a:p>
             <a:fld id="{F91A66E9-94DB-4796-808B-8A3CE0FBB6C5}" type="datetimeFigureOut">
               <a:rPr lang="zh-CN" altLang="en-US" smtClean="0"/>
-              <a:t>2018/10/24</a:t>
             </a:fld>
             <a:endParaRPr lang="zh-CN" altLang="en-US"/>
           </a:p>
@@ -1145,18 +1102,12 @@
           <a:p>
             <a:fld id="{AB9546ED-7A57-4FAD-960C-25C9ACD886ED}" type="slidenum">
               <a:rPr lang="zh-CN" altLang="en-US" smtClean="0"/>
-              <a:t>‹#›</a:t>
             </a:fld>
             <a:endParaRPr lang="zh-CN" altLang="en-US"/>
           </a:p>
         </p:txBody>
       </p:sp>
     </p:spTree>
-    <p:extLst>
-      <p:ext uri="{BB962C8B-B14F-4D97-AF65-F5344CB8AC3E}">
-        <p14:creationId xmlns:p14="http://schemas.microsoft.com/office/powerpoint/2010/main" val="1896389230"/>
-      </p:ext>
-    </p:extLst>
   </p:cSld>
   <p:clrMapOvr>
     <a:masterClrMapping/>
@@ -1208,6 +1159,7 @@
               <a:rPr lang="zh-CN" altLang="en-US"/>
               <a:t>单击此处编辑母版标题样式</a:t>
             </a:r>
+            <a:endParaRPr lang="zh-CN" altLang="en-US"/>
           </a:p>
         </p:txBody>
       </p:sp>
@@ -1239,6 +1191,7 @@
               <a:rPr lang="zh-CN" altLang="en-US"/>
               <a:t>单击此处编辑母版文本样式</a:t>
             </a:r>
+            <a:endParaRPr lang="zh-CN" altLang="en-US"/>
           </a:p>
           <a:p>
             <a:pPr lvl="1"/>
@@ -1246,6 +1199,7 @@
               <a:rPr lang="zh-CN" altLang="en-US"/>
               <a:t>第二级</a:t>
             </a:r>
+            <a:endParaRPr lang="zh-CN" altLang="en-US"/>
           </a:p>
           <a:p>
             <a:pPr lvl="2"/>
@@ -1253,6 +1207,7 @@
               <a:rPr lang="zh-CN" altLang="en-US"/>
               <a:t>第三级</a:t>
             </a:r>
+            <a:endParaRPr lang="zh-CN" altLang="en-US"/>
           </a:p>
           <a:p>
             <a:pPr lvl="3"/>
@@ -1260,6 +1215,7 @@
               <a:rPr lang="zh-CN" altLang="en-US"/>
               <a:t>第四级</a:t>
             </a:r>
+            <a:endParaRPr lang="zh-CN" altLang="en-US"/>
           </a:p>
           <a:p>
             <a:pPr lvl="4"/>
@@ -1267,6 +1223,7 @@
               <a:rPr lang="zh-CN" altLang="en-US"/>
               <a:t>第五级</a:t>
             </a:r>
+            <a:endParaRPr lang="zh-CN" altLang="en-US"/>
           </a:p>
         </p:txBody>
       </p:sp>
@@ -1295,7 +1252,6 @@
           <a:p>
             <a:fld id="{F91A66E9-94DB-4796-808B-8A3CE0FBB6C5}" type="datetimeFigureOut">
               <a:rPr lang="zh-CN" altLang="en-US" smtClean="0"/>
-              <a:t>2018/10/24</a:t>
             </a:fld>
             <a:endParaRPr lang="zh-CN" altLang="en-US"/>
           </a:p>
@@ -1353,18 +1309,12 @@
           <a:p>
             <a:fld id="{AB9546ED-7A57-4FAD-960C-25C9ACD886ED}" type="slidenum">
               <a:rPr lang="zh-CN" altLang="en-US" smtClean="0"/>
-              <a:t>‹#›</a:t>
             </a:fld>
             <a:endParaRPr lang="zh-CN" altLang="en-US"/>
           </a:p>
         </p:txBody>
       </p:sp>
     </p:spTree>
-    <p:extLst>
-      <p:ext uri="{BB962C8B-B14F-4D97-AF65-F5344CB8AC3E}">
-        <p14:creationId xmlns:p14="http://schemas.microsoft.com/office/powerpoint/2010/main" val="2442183595"/>
-      </p:ext>
-    </p:extLst>
   </p:cSld>
   <p:clrMapOvr>
     <a:masterClrMapping/>
@@ -1416,6 +1366,7 @@
               <a:rPr lang="zh-CN" altLang="en-US"/>
               <a:t>单击此处编辑母版标题样式</a:t>
             </a:r>
+            <a:endParaRPr lang="zh-CN" altLang="en-US"/>
           </a:p>
         </p:txBody>
       </p:sp>
@@ -1447,6 +1398,7 @@
               <a:rPr lang="zh-CN" altLang="en-US"/>
               <a:t>单击此处编辑母版文本样式</a:t>
             </a:r>
+            <a:endParaRPr lang="zh-CN" altLang="en-US"/>
           </a:p>
           <a:p>
             <a:pPr lvl="1"/>
@@ -1454,6 +1406,7 @@
               <a:rPr lang="zh-CN" altLang="en-US"/>
               <a:t>第二级</a:t>
             </a:r>
+            <a:endParaRPr lang="zh-CN" altLang="en-US"/>
           </a:p>
           <a:p>
             <a:pPr lvl="2"/>
@@ -1461,6 +1414,7 @@
               <a:rPr lang="zh-CN" altLang="en-US"/>
               <a:t>第三级</a:t>
             </a:r>
+            <a:endParaRPr lang="zh-CN" altLang="en-US"/>
           </a:p>
           <a:p>
             <a:pPr lvl="3"/>
@@ -1468,6 +1422,7 @@
               <a:rPr lang="zh-CN" altLang="en-US"/>
               <a:t>第四级</a:t>
             </a:r>
+            <a:endParaRPr lang="zh-CN" altLang="en-US"/>
           </a:p>
           <a:p>
             <a:pPr lvl="4"/>
@@ -1475,6 +1430,7 @@
               <a:rPr lang="zh-CN" altLang="en-US"/>
               <a:t>第五级</a:t>
             </a:r>
+            <a:endParaRPr lang="zh-CN" altLang="en-US"/>
           </a:p>
         </p:txBody>
       </p:sp>
@@ -1503,7 +1459,6 @@
           <a:p>
             <a:fld id="{F91A66E9-94DB-4796-808B-8A3CE0FBB6C5}" type="datetimeFigureOut">
               <a:rPr lang="zh-CN" altLang="en-US" smtClean="0"/>
-              <a:t>2018/10/24</a:t>
             </a:fld>
             <a:endParaRPr lang="zh-CN" altLang="en-US"/>
           </a:p>
@@ -1561,18 +1516,12 @@
           <a:p>
             <a:fld id="{AB9546ED-7A57-4FAD-960C-25C9ACD886ED}" type="slidenum">
               <a:rPr lang="zh-CN" altLang="en-US" smtClean="0"/>
-              <a:t>‹#›</a:t>
             </a:fld>
             <a:endParaRPr lang="zh-CN" altLang="en-US"/>
           </a:p>
         </p:txBody>
       </p:sp>
     </p:spTree>
-    <p:extLst>
-      <p:ext uri="{BB962C8B-B14F-4D97-AF65-F5344CB8AC3E}">
-        <p14:creationId xmlns:p14="http://schemas.microsoft.com/office/powerpoint/2010/main" val="135369533"/>
-      </p:ext>
-    </p:extLst>
   </p:cSld>
   <p:clrMapOvr>
     <a:masterClrMapping/>
@@ -1628,6 +1577,7 @@
               <a:rPr lang="zh-CN" altLang="en-US"/>
               <a:t>单击此处编辑母版标题样式</a:t>
             </a:r>
+            <a:endParaRPr lang="zh-CN" altLang="en-US"/>
           </a:p>
         </p:txBody>
       </p:sp>
@@ -1750,6 +1700,7 @@
               <a:rPr lang="zh-CN" altLang="en-US"/>
               <a:t>单击此处编辑母版文本样式</a:t>
             </a:r>
+            <a:endParaRPr lang="zh-CN" altLang="en-US"/>
           </a:p>
         </p:txBody>
       </p:sp>
@@ -1778,7 +1729,6 @@
           <a:p>
             <a:fld id="{F91A66E9-94DB-4796-808B-8A3CE0FBB6C5}" type="datetimeFigureOut">
               <a:rPr lang="zh-CN" altLang="en-US" smtClean="0"/>
-              <a:t>2018/10/24</a:t>
             </a:fld>
             <a:endParaRPr lang="zh-CN" altLang="en-US"/>
           </a:p>
@@ -1836,18 +1786,12 @@
           <a:p>
             <a:fld id="{AB9546ED-7A57-4FAD-960C-25C9ACD886ED}" type="slidenum">
               <a:rPr lang="zh-CN" altLang="en-US" smtClean="0"/>
-              <a:t>‹#›</a:t>
             </a:fld>
             <a:endParaRPr lang="zh-CN" altLang="en-US"/>
           </a:p>
         </p:txBody>
       </p:sp>
     </p:spTree>
-    <p:extLst>
-      <p:ext uri="{BB962C8B-B14F-4D97-AF65-F5344CB8AC3E}">
-        <p14:creationId xmlns:p14="http://schemas.microsoft.com/office/powerpoint/2010/main" val="1552473337"/>
-      </p:ext>
-    </p:extLst>
   </p:cSld>
   <p:clrMapOvr>
     <a:masterClrMapping/>
@@ -1899,6 +1843,7 @@
               <a:rPr lang="zh-CN" altLang="en-US"/>
               <a:t>单击此处编辑母版标题样式</a:t>
             </a:r>
+            <a:endParaRPr lang="zh-CN" altLang="en-US"/>
           </a:p>
         </p:txBody>
       </p:sp>
@@ -1930,6 +1875,7 @@
               <a:rPr lang="zh-CN" altLang="en-US"/>
               <a:t>单击此处编辑母版文本样式</a:t>
             </a:r>
+            <a:endParaRPr lang="zh-CN" altLang="en-US"/>
           </a:p>
           <a:p>
             <a:pPr lvl="1"/>
@@ -1937,6 +1883,7 @@
               <a:rPr lang="zh-CN" altLang="en-US"/>
               <a:t>第二级</a:t>
             </a:r>
+            <a:endParaRPr lang="zh-CN" altLang="en-US"/>
           </a:p>
           <a:p>
             <a:pPr lvl="2"/>
@@ -1944,6 +1891,7 @@
               <a:rPr lang="zh-CN" altLang="en-US"/>
               <a:t>第三级</a:t>
             </a:r>
+            <a:endParaRPr lang="zh-CN" altLang="en-US"/>
           </a:p>
           <a:p>
             <a:pPr lvl="3"/>
@@ -1951,6 +1899,7 @@
               <a:rPr lang="zh-CN" altLang="en-US"/>
               <a:t>第四级</a:t>
             </a:r>
+            <a:endParaRPr lang="zh-CN" altLang="en-US"/>
           </a:p>
           <a:p>
             <a:pPr lvl="4"/>
@@ -1958,6 +1907,7 @@
               <a:rPr lang="zh-CN" altLang="en-US"/>
               <a:t>第五级</a:t>
             </a:r>
+            <a:endParaRPr lang="zh-CN" altLang="en-US"/>
           </a:p>
         </p:txBody>
       </p:sp>
@@ -1989,6 +1939,7 @@
               <a:rPr lang="zh-CN" altLang="en-US"/>
               <a:t>单击此处编辑母版文本样式</a:t>
             </a:r>
+            <a:endParaRPr lang="zh-CN" altLang="en-US"/>
           </a:p>
           <a:p>
             <a:pPr lvl="1"/>
@@ -1996,6 +1947,7 @@
               <a:rPr lang="zh-CN" altLang="en-US"/>
               <a:t>第二级</a:t>
             </a:r>
+            <a:endParaRPr lang="zh-CN" altLang="en-US"/>
           </a:p>
           <a:p>
             <a:pPr lvl="2"/>
@@ -2003,6 +1955,7 @@
               <a:rPr lang="zh-CN" altLang="en-US"/>
               <a:t>第三级</a:t>
             </a:r>
+            <a:endParaRPr lang="zh-CN" altLang="en-US"/>
           </a:p>
           <a:p>
             <a:pPr lvl="3"/>
@@ -2010,6 +1963,7 @@
               <a:rPr lang="zh-CN" altLang="en-US"/>
               <a:t>第四级</a:t>
             </a:r>
+            <a:endParaRPr lang="zh-CN" altLang="en-US"/>
           </a:p>
           <a:p>
             <a:pPr lvl="4"/>
@@ -2017,6 +1971,7 @@
               <a:rPr lang="zh-CN" altLang="en-US"/>
               <a:t>第五级</a:t>
             </a:r>
+            <a:endParaRPr lang="zh-CN" altLang="en-US"/>
           </a:p>
         </p:txBody>
       </p:sp>
@@ -2045,7 +2000,6 @@
           <a:p>
             <a:fld id="{F91A66E9-94DB-4796-808B-8A3CE0FBB6C5}" type="datetimeFigureOut">
               <a:rPr lang="zh-CN" altLang="en-US" smtClean="0"/>
-              <a:t>2018/10/24</a:t>
             </a:fld>
             <a:endParaRPr lang="zh-CN" altLang="en-US"/>
           </a:p>
@@ -2103,18 +2057,12 @@
           <a:p>
             <a:fld id="{AB9546ED-7A57-4FAD-960C-25C9ACD886ED}" type="slidenum">
               <a:rPr lang="zh-CN" altLang="en-US" smtClean="0"/>
-              <a:t>‹#›</a:t>
             </a:fld>
             <a:endParaRPr lang="zh-CN" altLang="en-US"/>
           </a:p>
         </p:txBody>
       </p:sp>
     </p:spTree>
-    <p:extLst>
-      <p:ext uri="{BB962C8B-B14F-4D97-AF65-F5344CB8AC3E}">
-        <p14:creationId xmlns:p14="http://schemas.microsoft.com/office/powerpoint/2010/main" val="4156913852"/>
-      </p:ext>
-    </p:extLst>
   </p:cSld>
   <p:clrMapOvr>
     <a:masterClrMapping/>
@@ -2166,6 +2114,7 @@
               <a:rPr lang="zh-CN" altLang="en-US"/>
               <a:t>单击此处编辑母版标题样式</a:t>
             </a:r>
+            <a:endParaRPr lang="zh-CN" altLang="en-US"/>
           </a:p>
         </p:txBody>
       </p:sp>
@@ -2234,6 +2183,7 @@
               <a:rPr lang="zh-CN" altLang="en-US"/>
               <a:t>单击此处编辑母版文本样式</a:t>
             </a:r>
+            <a:endParaRPr lang="zh-CN" altLang="en-US"/>
           </a:p>
         </p:txBody>
       </p:sp>
@@ -2265,6 +2215,7 @@
               <a:rPr lang="zh-CN" altLang="en-US"/>
               <a:t>单击此处编辑母版文本样式</a:t>
             </a:r>
+            <a:endParaRPr lang="zh-CN" altLang="en-US"/>
           </a:p>
           <a:p>
             <a:pPr lvl="1"/>
@@ -2272,6 +2223,7 @@
               <a:rPr lang="zh-CN" altLang="en-US"/>
               <a:t>第二级</a:t>
             </a:r>
+            <a:endParaRPr lang="zh-CN" altLang="en-US"/>
           </a:p>
           <a:p>
             <a:pPr lvl="2"/>
@@ -2279,6 +2231,7 @@
               <a:rPr lang="zh-CN" altLang="en-US"/>
               <a:t>第三级</a:t>
             </a:r>
+            <a:endParaRPr lang="zh-CN" altLang="en-US"/>
           </a:p>
           <a:p>
             <a:pPr lvl="3"/>
@@ -2286,6 +2239,7 @@
               <a:rPr lang="zh-CN" altLang="en-US"/>
               <a:t>第四级</a:t>
             </a:r>
+            <a:endParaRPr lang="zh-CN" altLang="en-US"/>
           </a:p>
           <a:p>
             <a:pPr lvl="4"/>
@@ -2293,6 +2247,7 @@
               <a:rPr lang="zh-CN" altLang="en-US"/>
               <a:t>第五级</a:t>
             </a:r>
+            <a:endParaRPr lang="zh-CN" altLang="en-US"/>
           </a:p>
         </p:txBody>
       </p:sp>
@@ -2361,6 +2316,7 @@
               <a:rPr lang="zh-CN" altLang="en-US"/>
               <a:t>单击此处编辑母版文本样式</a:t>
             </a:r>
+            <a:endParaRPr lang="zh-CN" altLang="en-US"/>
           </a:p>
         </p:txBody>
       </p:sp>
@@ -2392,6 +2348,7 @@
               <a:rPr lang="zh-CN" altLang="en-US"/>
               <a:t>单击此处编辑母版文本样式</a:t>
             </a:r>
+            <a:endParaRPr lang="zh-CN" altLang="en-US"/>
           </a:p>
           <a:p>
             <a:pPr lvl="1"/>
@@ -2399,6 +2356,7 @@
               <a:rPr lang="zh-CN" altLang="en-US"/>
               <a:t>第二级</a:t>
             </a:r>
+            <a:endParaRPr lang="zh-CN" altLang="en-US"/>
           </a:p>
           <a:p>
             <a:pPr lvl="2"/>
@@ -2406,6 +2364,7 @@
               <a:rPr lang="zh-CN" altLang="en-US"/>
               <a:t>第三级</a:t>
             </a:r>
+            <a:endParaRPr lang="zh-CN" altLang="en-US"/>
           </a:p>
           <a:p>
             <a:pPr lvl="3"/>
@@ -2413,6 +2372,7 @@
               <a:rPr lang="zh-CN" altLang="en-US"/>
               <a:t>第四级</a:t>
             </a:r>
+            <a:endParaRPr lang="zh-CN" altLang="en-US"/>
           </a:p>
           <a:p>
             <a:pPr lvl="4"/>
@@ -2420,6 +2380,7 @@
               <a:rPr lang="zh-CN" altLang="en-US"/>
               <a:t>第五级</a:t>
             </a:r>
+            <a:endParaRPr lang="zh-CN" altLang="en-US"/>
           </a:p>
         </p:txBody>
       </p:sp>
@@ -2448,7 +2409,6 @@
           <a:p>
             <a:fld id="{F91A66E9-94DB-4796-808B-8A3CE0FBB6C5}" type="datetimeFigureOut">
               <a:rPr lang="zh-CN" altLang="en-US" smtClean="0"/>
-              <a:t>2018/10/24</a:t>
             </a:fld>
             <a:endParaRPr lang="zh-CN" altLang="en-US"/>
           </a:p>
@@ -2506,7 +2466,6 @@
           <a:p>
             <a:fld id="{AB9546ED-7A57-4FAD-960C-25C9ACD886ED}" type="slidenum">
               <a:rPr lang="zh-CN" altLang="en-US" smtClean="0"/>
-              <a:t>‹#›</a:t>
             </a:fld>
             <a:endParaRPr lang="zh-CN" altLang="en-US"/>
           </a:p>
@@ -2617,416 +2576,6 @@
               </a:rPr>
               <a:t>www.1ppt.com/hangye/ </a:t>
             </a:r>
-          </a:p>
-          <a:p>
-            <a:r>
-              <a:rPr lang="zh-CN" altLang="en-US" sz="100" dirty="0">
-                <a:solidFill>
-                  <a:schemeClr val="bg1">
-                    <a:lumMod val="95000"/>
-                  </a:schemeClr>
-                </a:solidFill>
-                <a:latin typeface="Calibri"/>
-                <a:ea typeface="宋体"/>
-              </a:rPr>
-              <a:t>节日</a:t>
-            </a:r>
-            <a:r>
-              <a:rPr lang="en-US" altLang="zh-CN" sz="100" dirty="0">
-                <a:solidFill>
-                  <a:schemeClr val="bg1">
-                    <a:lumMod val="95000"/>
-                  </a:schemeClr>
-                </a:solidFill>
-                <a:latin typeface="Calibri"/>
-                <a:ea typeface="宋体"/>
-              </a:rPr>
-              <a:t>PPT</a:t>
-            </a:r>
-            <a:r>
-              <a:rPr lang="zh-CN" altLang="en-US" sz="100" dirty="0">
-                <a:solidFill>
-                  <a:schemeClr val="bg1">
-                    <a:lumMod val="95000"/>
-                  </a:schemeClr>
-                </a:solidFill>
-                <a:latin typeface="Calibri"/>
-                <a:ea typeface="宋体"/>
-              </a:rPr>
-              <a:t>模板：</a:t>
-            </a:r>
-            <a:r>
-              <a:rPr lang="en-US" altLang="zh-CN" sz="100" dirty="0">
-                <a:solidFill>
-                  <a:schemeClr val="bg1">
-                    <a:lumMod val="95000"/>
-                  </a:schemeClr>
-                </a:solidFill>
-                <a:latin typeface="Calibri"/>
-                <a:ea typeface="宋体"/>
-              </a:rPr>
-              <a:t>www.1ppt.com/jieri/           PPT</a:t>
-            </a:r>
-            <a:r>
-              <a:rPr lang="zh-CN" altLang="en-US" sz="100" dirty="0">
-                <a:solidFill>
-                  <a:schemeClr val="bg1">
-                    <a:lumMod val="95000"/>
-                  </a:schemeClr>
-                </a:solidFill>
-                <a:latin typeface="Calibri"/>
-                <a:ea typeface="宋体"/>
-              </a:rPr>
-              <a:t>素材下载：</a:t>
-            </a:r>
-            <a:r>
-              <a:rPr lang="en-US" altLang="zh-CN" sz="100" dirty="0">
-                <a:solidFill>
-                  <a:schemeClr val="bg1">
-                    <a:lumMod val="95000"/>
-                  </a:schemeClr>
-                </a:solidFill>
-                <a:latin typeface="Calibri"/>
-                <a:ea typeface="宋体"/>
-              </a:rPr>
-              <a:t>www.1ppt.com/sucai/</a:t>
-            </a:r>
-          </a:p>
-          <a:p>
-            <a:r>
-              <a:rPr lang="en-US" altLang="zh-CN" sz="100" dirty="0">
-                <a:solidFill>
-                  <a:schemeClr val="bg1">
-                    <a:lumMod val="95000"/>
-                  </a:schemeClr>
-                </a:solidFill>
-                <a:latin typeface="Calibri"/>
-                <a:ea typeface="宋体"/>
-              </a:rPr>
-              <a:t>PPT</a:t>
-            </a:r>
-            <a:r>
-              <a:rPr lang="zh-CN" altLang="en-US" sz="100" dirty="0">
-                <a:solidFill>
-                  <a:schemeClr val="bg1">
-                    <a:lumMod val="95000"/>
-                  </a:schemeClr>
-                </a:solidFill>
-                <a:latin typeface="Calibri"/>
-                <a:ea typeface="宋体"/>
-              </a:rPr>
-              <a:t>背景图片：</a:t>
-            </a:r>
-            <a:r>
-              <a:rPr lang="en-US" altLang="zh-CN" sz="100" dirty="0">
-                <a:solidFill>
-                  <a:schemeClr val="bg1">
-                    <a:lumMod val="95000"/>
-                  </a:schemeClr>
-                </a:solidFill>
-                <a:latin typeface="Calibri"/>
-                <a:ea typeface="宋体"/>
-              </a:rPr>
-              <a:t>www.1ppt.com/beijing/      PPT</a:t>
-            </a:r>
-            <a:r>
-              <a:rPr lang="zh-CN" altLang="en-US" sz="100" dirty="0">
-                <a:solidFill>
-                  <a:schemeClr val="bg1">
-                    <a:lumMod val="95000"/>
-                  </a:schemeClr>
-                </a:solidFill>
-                <a:latin typeface="Calibri"/>
-                <a:ea typeface="宋体"/>
-              </a:rPr>
-              <a:t>图表下载：</a:t>
-            </a:r>
-            <a:r>
-              <a:rPr lang="en-US" altLang="zh-CN" sz="100" dirty="0">
-                <a:solidFill>
-                  <a:schemeClr val="bg1">
-                    <a:lumMod val="95000"/>
-                  </a:schemeClr>
-                </a:solidFill>
-                <a:latin typeface="Calibri"/>
-                <a:ea typeface="宋体"/>
-              </a:rPr>
-              <a:t>www.1ppt.com/tubiao/      </a:t>
-            </a:r>
-          </a:p>
-          <a:p>
-            <a:r>
-              <a:rPr lang="zh-CN" altLang="en-US" sz="100" dirty="0">
-                <a:solidFill>
-                  <a:schemeClr val="bg1">
-                    <a:lumMod val="95000"/>
-                  </a:schemeClr>
-                </a:solidFill>
-                <a:latin typeface="Calibri"/>
-                <a:ea typeface="宋体"/>
-              </a:rPr>
-              <a:t>优秀</a:t>
-            </a:r>
-            <a:r>
-              <a:rPr lang="en-US" altLang="zh-CN" sz="100" dirty="0">
-                <a:solidFill>
-                  <a:schemeClr val="bg1">
-                    <a:lumMod val="95000"/>
-                  </a:schemeClr>
-                </a:solidFill>
-                <a:latin typeface="Calibri"/>
-                <a:ea typeface="宋体"/>
-              </a:rPr>
-              <a:t>PPT</a:t>
-            </a:r>
-            <a:r>
-              <a:rPr lang="zh-CN" altLang="en-US" sz="100" dirty="0">
-                <a:solidFill>
-                  <a:schemeClr val="bg1">
-                    <a:lumMod val="95000"/>
-                  </a:schemeClr>
-                </a:solidFill>
-                <a:latin typeface="Calibri"/>
-                <a:ea typeface="宋体"/>
-              </a:rPr>
-              <a:t>下载：</a:t>
-            </a:r>
-            <a:r>
-              <a:rPr lang="en-US" altLang="zh-CN" sz="100" dirty="0">
-                <a:solidFill>
-                  <a:schemeClr val="bg1">
-                    <a:lumMod val="95000"/>
-                  </a:schemeClr>
-                </a:solidFill>
-                <a:latin typeface="Calibri"/>
-                <a:ea typeface="宋体"/>
-              </a:rPr>
-              <a:t>www.1ppt.com/xiazai/        PPT</a:t>
-            </a:r>
-            <a:r>
-              <a:rPr lang="zh-CN" altLang="en-US" sz="100" dirty="0">
-                <a:solidFill>
-                  <a:schemeClr val="bg1">
-                    <a:lumMod val="95000"/>
-                  </a:schemeClr>
-                </a:solidFill>
-                <a:latin typeface="Calibri"/>
-                <a:ea typeface="宋体"/>
-              </a:rPr>
-              <a:t>教程： </a:t>
-            </a:r>
-            <a:r>
-              <a:rPr lang="en-US" altLang="zh-CN" sz="100" dirty="0">
-                <a:solidFill>
-                  <a:schemeClr val="bg1">
-                    <a:lumMod val="95000"/>
-                  </a:schemeClr>
-                </a:solidFill>
-                <a:latin typeface="Calibri"/>
-                <a:ea typeface="宋体"/>
-              </a:rPr>
-              <a:t>www.1ppt.com/powerpoint/      </a:t>
-            </a:r>
-          </a:p>
-          <a:p>
-            <a:r>
-              <a:rPr lang="en-US" altLang="zh-CN" sz="100" dirty="0">
-                <a:solidFill>
-                  <a:schemeClr val="bg1">
-                    <a:lumMod val="95000"/>
-                  </a:schemeClr>
-                </a:solidFill>
-                <a:latin typeface="Calibri"/>
-                <a:ea typeface="宋体"/>
-              </a:rPr>
-              <a:t>Word</a:t>
-            </a:r>
-            <a:r>
-              <a:rPr lang="zh-CN" altLang="en-US" sz="100" dirty="0">
-                <a:solidFill>
-                  <a:schemeClr val="bg1">
-                    <a:lumMod val="95000"/>
-                  </a:schemeClr>
-                </a:solidFill>
-                <a:latin typeface="Calibri"/>
-                <a:ea typeface="宋体"/>
-              </a:rPr>
-              <a:t>教程： </a:t>
-            </a:r>
-            <a:r>
-              <a:rPr lang="en-US" altLang="zh-CN" sz="100" dirty="0">
-                <a:solidFill>
-                  <a:schemeClr val="bg1">
-                    <a:lumMod val="95000"/>
-                  </a:schemeClr>
-                </a:solidFill>
-                <a:latin typeface="Calibri"/>
-                <a:ea typeface="宋体"/>
-              </a:rPr>
-              <a:t>www.1ppt.com/word/              Excel</a:t>
-            </a:r>
-            <a:r>
-              <a:rPr lang="zh-CN" altLang="en-US" sz="100" dirty="0">
-                <a:solidFill>
-                  <a:schemeClr val="bg1">
-                    <a:lumMod val="95000"/>
-                  </a:schemeClr>
-                </a:solidFill>
-                <a:latin typeface="Calibri"/>
-                <a:ea typeface="宋体"/>
-              </a:rPr>
-              <a:t>教程：</a:t>
-            </a:r>
-            <a:r>
-              <a:rPr lang="en-US" altLang="zh-CN" sz="100" dirty="0">
-                <a:solidFill>
-                  <a:schemeClr val="bg1">
-                    <a:lumMod val="95000"/>
-                  </a:schemeClr>
-                </a:solidFill>
-                <a:latin typeface="Calibri"/>
-                <a:ea typeface="宋体"/>
-              </a:rPr>
-              <a:t>www.1ppt.com/excel/  </a:t>
-            </a:r>
-          </a:p>
-          <a:p>
-            <a:r>
-              <a:rPr lang="zh-CN" altLang="en-US" sz="100" dirty="0">
-                <a:solidFill>
-                  <a:schemeClr val="bg1">
-                    <a:lumMod val="95000"/>
-                  </a:schemeClr>
-                </a:solidFill>
-                <a:latin typeface="Calibri"/>
-                <a:ea typeface="宋体"/>
-              </a:rPr>
-              <a:t>资料下载：</a:t>
-            </a:r>
-            <a:r>
-              <a:rPr lang="en-US" altLang="zh-CN" sz="100" dirty="0">
-                <a:solidFill>
-                  <a:schemeClr val="bg1">
-                    <a:lumMod val="95000"/>
-                  </a:schemeClr>
-                </a:solidFill>
-                <a:latin typeface="Calibri"/>
-                <a:ea typeface="宋体"/>
-              </a:rPr>
-              <a:t>www.1ppt.com/ziliao/                PPT</a:t>
-            </a:r>
-            <a:r>
-              <a:rPr lang="zh-CN" altLang="en-US" sz="100" dirty="0">
-                <a:solidFill>
-                  <a:schemeClr val="bg1">
-                    <a:lumMod val="95000"/>
-                  </a:schemeClr>
-                </a:solidFill>
-                <a:latin typeface="Calibri"/>
-                <a:ea typeface="宋体"/>
-              </a:rPr>
-              <a:t>课件下载：</a:t>
-            </a:r>
-            <a:r>
-              <a:rPr lang="en-US" altLang="zh-CN" sz="100" dirty="0">
-                <a:solidFill>
-                  <a:schemeClr val="bg1">
-                    <a:lumMod val="95000"/>
-                  </a:schemeClr>
-                </a:solidFill>
-                <a:latin typeface="Calibri"/>
-                <a:ea typeface="宋体"/>
-              </a:rPr>
-              <a:t>www.1ppt.com/kejian/ </a:t>
-            </a:r>
-          </a:p>
-          <a:p>
-            <a:r>
-              <a:rPr lang="zh-CN" altLang="en-US" sz="100" dirty="0">
-                <a:solidFill>
-                  <a:schemeClr val="bg1">
-                    <a:lumMod val="95000"/>
-                  </a:schemeClr>
-                </a:solidFill>
-                <a:latin typeface="Calibri"/>
-                <a:ea typeface="宋体"/>
-              </a:rPr>
-              <a:t>范文下载：</a:t>
-            </a:r>
-            <a:r>
-              <a:rPr lang="en-US" altLang="zh-CN" sz="100" dirty="0">
-                <a:solidFill>
-                  <a:schemeClr val="bg1">
-                    <a:lumMod val="95000"/>
-                  </a:schemeClr>
-                </a:solidFill>
-                <a:latin typeface="Calibri"/>
-                <a:ea typeface="宋体"/>
-              </a:rPr>
-              <a:t>www.1ppt.com/fanwen/             </a:t>
-            </a:r>
-            <a:r>
-              <a:rPr lang="zh-CN" altLang="en-US" sz="100" dirty="0">
-                <a:solidFill>
-                  <a:schemeClr val="bg1">
-                    <a:lumMod val="95000"/>
-                  </a:schemeClr>
-                </a:solidFill>
-                <a:latin typeface="Calibri"/>
-                <a:ea typeface="宋体"/>
-              </a:rPr>
-              <a:t>试卷下载：</a:t>
-            </a:r>
-            <a:r>
-              <a:rPr lang="en-US" altLang="zh-CN" sz="100" dirty="0">
-                <a:solidFill>
-                  <a:schemeClr val="bg1">
-                    <a:lumMod val="95000"/>
-                  </a:schemeClr>
-                </a:solidFill>
-                <a:latin typeface="Calibri"/>
-                <a:ea typeface="宋体"/>
-              </a:rPr>
-              <a:t>www.1ppt.com/shiti/  </a:t>
-            </a:r>
-          </a:p>
-          <a:p>
-            <a:r>
-              <a:rPr lang="zh-CN" altLang="en-US" sz="100" dirty="0">
-                <a:solidFill>
-                  <a:schemeClr val="bg1">
-                    <a:lumMod val="95000"/>
-                  </a:schemeClr>
-                </a:solidFill>
-                <a:latin typeface="Calibri"/>
-                <a:ea typeface="宋体"/>
-              </a:rPr>
-              <a:t>教案下载：</a:t>
-            </a:r>
-            <a:r>
-              <a:rPr lang="en-US" altLang="zh-CN" sz="100" dirty="0">
-                <a:solidFill>
-                  <a:schemeClr val="bg1">
-                    <a:lumMod val="95000"/>
-                  </a:schemeClr>
-                </a:solidFill>
-                <a:latin typeface="Calibri"/>
-                <a:ea typeface="宋体"/>
-              </a:rPr>
-              <a:t>www.1ppt.com/jiaoan/  </a:t>
-            </a:r>
-            <a:r>
-              <a:rPr lang="en-US" altLang="zh-CN" sz="100" dirty="0" smtClean="0">
-                <a:solidFill>
-                  <a:schemeClr val="bg1">
-                    <a:lumMod val="95000"/>
-                  </a:schemeClr>
-                </a:solidFill>
-                <a:latin typeface="Calibri"/>
-                <a:ea typeface="宋体"/>
-              </a:rPr>
-              <a:t>      </a:t>
-            </a:r>
             <a:endParaRPr lang="en-US" altLang="zh-CN" sz="100" dirty="0">
               <a:solidFill>
                 <a:schemeClr val="bg1">
@@ -3039,7 +2588,7 @@
           </a:p>
           <a:p>
             <a:r>
-              <a:rPr lang="zh-CN" altLang="en-US" sz="100" dirty="0" smtClean="0">
+              <a:rPr lang="zh-CN" altLang="en-US" sz="100" dirty="0">
                 <a:solidFill>
                   <a:schemeClr val="bg1">
                     <a:lumMod val="95000"/>
@@ -3048,10 +2597,10 @@
                 <a:latin typeface="Calibri"/>
                 <a:ea typeface="宋体"/>
               </a:rPr>
-              <a:t>字体下载：</a:t>
-            </a:r>
-            <a:r>
-              <a:rPr lang="en-US" altLang="zh-CN" sz="100" dirty="0" smtClean="0">
+              <a:t>节日</a:t>
+            </a:r>
+            <a:r>
+              <a:rPr lang="en-US" altLang="zh-CN" sz="100" dirty="0">
                 <a:solidFill>
                   <a:schemeClr val="bg1">
                     <a:lumMod val="95000"/>
@@ -3060,7 +2609,55 @@
                 <a:latin typeface="Calibri"/>
                 <a:ea typeface="宋体"/>
               </a:rPr>
-              <a:t>www.1ppt.com/ziti/</a:t>
+              <a:t>PPT</a:t>
+            </a:r>
+            <a:r>
+              <a:rPr lang="zh-CN" altLang="en-US" sz="100" dirty="0">
+                <a:solidFill>
+                  <a:schemeClr val="bg1">
+                    <a:lumMod val="95000"/>
+                  </a:schemeClr>
+                </a:solidFill>
+                <a:latin typeface="Calibri"/>
+                <a:ea typeface="宋体"/>
+              </a:rPr>
+              <a:t>模板：</a:t>
+            </a:r>
+            <a:r>
+              <a:rPr lang="en-US" altLang="zh-CN" sz="100" dirty="0">
+                <a:solidFill>
+                  <a:schemeClr val="bg1">
+                    <a:lumMod val="95000"/>
+                  </a:schemeClr>
+                </a:solidFill>
+                <a:latin typeface="Calibri"/>
+                <a:ea typeface="宋体"/>
+              </a:rPr>
+              <a:t>www.1ppt.com/jieri/           PPT</a:t>
+            </a:r>
+            <a:r>
+              <a:rPr lang="zh-CN" altLang="en-US" sz="100" dirty="0">
+                <a:solidFill>
+                  <a:schemeClr val="bg1">
+                    <a:lumMod val="95000"/>
+                  </a:schemeClr>
+                </a:solidFill>
+                <a:latin typeface="Calibri"/>
+                <a:ea typeface="宋体"/>
+              </a:rPr>
+              <a:t>素材下载：</a:t>
+            </a:r>
+            <a:r>
+              <a:rPr lang="en-US" altLang="zh-CN" sz="100" dirty="0">
+                <a:solidFill>
+                  <a:schemeClr val="bg1">
+                    <a:lumMod val="95000"/>
+                  </a:schemeClr>
+                </a:solidFill>
+                <a:latin typeface="Calibri"/>
+                <a:ea typeface="宋体"/>
+              </a:rPr>
+              <a:t>www.1ppt.com/sucai/</a:t>
             </a:r>
             <a:endParaRPr lang="en-US" altLang="zh-CN" sz="100" dirty="0">
               <a:solidFill>
@@ -3083,6 +2680,431 @@
                 <a:latin typeface="Calibri"/>
                 <a:ea typeface="宋体"/>
               </a:rPr>
+              <a:t>PPT</a:t>
+            </a:r>
+            <a:r>
+              <a:rPr lang="zh-CN" altLang="en-US" sz="100" dirty="0">
+                <a:solidFill>
+                  <a:schemeClr val="bg1">
+                    <a:lumMod val="95000"/>
+                  </a:schemeClr>
+                </a:solidFill>
+                <a:latin typeface="Calibri"/>
+                <a:ea typeface="宋体"/>
+              </a:rPr>
+              <a:t>背景图片：</a:t>
+            </a:r>
+            <a:r>
+              <a:rPr lang="en-US" altLang="zh-CN" sz="100" dirty="0">
+                <a:solidFill>
+                  <a:schemeClr val="bg1">
+                    <a:lumMod val="95000"/>
+                  </a:schemeClr>
+                </a:solidFill>
+                <a:latin typeface="Calibri"/>
+                <a:ea typeface="宋体"/>
+              </a:rPr>
+              <a:t>www.1ppt.com/beijing/      PPT</a:t>
+            </a:r>
+            <a:r>
+              <a:rPr lang="zh-CN" altLang="en-US" sz="100" dirty="0">
+                <a:solidFill>
+                  <a:schemeClr val="bg1">
+                    <a:lumMod val="95000"/>
+                  </a:schemeClr>
+                </a:solidFill>
+                <a:latin typeface="Calibri"/>
+                <a:ea typeface="宋体"/>
+              </a:rPr>
+              <a:t>图表下载：</a:t>
+            </a:r>
+            <a:r>
+              <a:rPr lang="en-US" altLang="zh-CN" sz="100" dirty="0">
+                <a:solidFill>
+                  <a:schemeClr val="bg1">
+                    <a:lumMod val="95000"/>
+                  </a:schemeClr>
+                </a:solidFill>
+                <a:latin typeface="Calibri"/>
+                <a:ea typeface="宋体"/>
+              </a:rPr>
+              <a:t>www.1ppt.com/tubiao/      </a:t>
+            </a:r>
+            <a:endParaRPr lang="en-US" altLang="zh-CN" sz="100" dirty="0">
+              <a:solidFill>
+                <a:schemeClr val="bg1">
+                  <a:lumMod val="95000"/>
+                </a:schemeClr>
+              </a:solidFill>
+              <a:latin typeface="Calibri"/>
+              <a:ea typeface="宋体"/>
+            </a:endParaRPr>
+          </a:p>
+          <a:p>
+            <a:r>
+              <a:rPr lang="zh-CN" altLang="en-US" sz="100" dirty="0">
+                <a:solidFill>
+                  <a:schemeClr val="bg1">
+                    <a:lumMod val="95000"/>
+                  </a:schemeClr>
+                </a:solidFill>
+                <a:latin typeface="Calibri"/>
+                <a:ea typeface="宋体"/>
+              </a:rPr>
+              <a:t>优秀</a:t>
+            </a:r>
+            <a:r>
+              <a:rPr lang="en-US" altLang="zh-CN" sz="100" dirty="0">
+                <a:solidFill>
+                  <a:schemeClr val="bg1">
+                    <a:lumMod val="95000"/>
+                  </a:schemeClr>
+                </a:solidFill>
+                <a:latin typeface="Calibri"/>
+                <a:ea typeface="宋体"/>
+              </a:rPr>
+              <a:t>PPT</a:t>
+            </a:r>
+            <a:r>
+              <a:rPr lang="zh-CN" altLang="en-US" sz="100" dirty="0">
+                <a:solidFill>
+                  <a:schemeClr val="bg1">
+                    <a:lumMod val="95000"/>
+                  </a:schemeClr>
+                </a:solidFill>
+                <a:latin typeface="Calibri"/>
+                <a:ea typeface="宋体"/>
+              </a:rPr>
+              <a:t>下载：</a:t>
+            </a:r>
+            <a:r>
+              <a:rPr lang="en-US" altLang="zh-CN" sz="100" dirty="0">
+                <a:solidFill>
+                  <a:schemeClr val="bg1">
+                    <a:lumMod val="95000"/>
+                  </a:schemeClr>
+                </a:solidFill>
+                <a:latin typeface="Calibri"/>
+                <a:ea typeface="宋体"/>
+              </a:rPr>
+              <a:t>www.1ppt.com/xiazai/        PPT</a:t>
+            </a:r>
+            <a:r>
+              <a:rPr lang="zh-CN" altLang="en-US" sz="100" dirty="0">
+                <a:solidFill>
+                  <a:schemeClr val="bg1">
+                    <a:lumMod val="95000"/>
+                  </a:schemeClr>
+                </a:solidFill>
+                <a:latin typeface="Calibri"/>
+                <a:ea typeface="宋体"/>
+              </a:rPr>
+              <a:t>教程： </a:t>
+            </a:r>
+            <a:r>
+              <a:rPr lang="en-US" altLang="zh-CN" sz="100" dirty="0">
+                <a:solidFill>
+                  <a:schemeClr val="bg1">
+                    <a:lumMod val="95000"/>
+                  </a:schemeClr>
+                </a:solidFill>
+                <a:latin typeface="Calibri"/>
+                <a:ea typeface="宋体"/>
+              </a:rPr>
+              <a:t>www.1ppt.com/powerpoint/      </a:t>
+            </a:r>
+            <a:endParaRPr lang="en-US" altLang="zh-CN" sz="100" dirty="0">
+              <a:solidFill>
+                <a:schemeClr val="bg1">
+                  <a:lumMod val="95000"/>
+                </a:schemeClr>
+              </a:solidFill>
+              <a:latin typeface="Calibri"/>
+              <a:ea typeface="宋体"/>
+            </a:endParaRPr>
+          </a:p>
+          <a:p>
+            <a:r>
+              <a:rPr lang="en-US" altLang="zh-CN" sz="100" dirty="0">
+                <a:solidFill>
+                  <a:schemeClr val="bg1">
+                    <a:lumMod val="95000"/>
+                  </a:schemeClr>
+                </a:solidFill>
+                <a:latin typeface="Calibri"/>
+                <a:ea typeface="宋体"/>
+              </a:rPr>
+              <a:t>Word</a:t>
+            </a:r>
+            <a:r>
+              <a:rPr lang="zh-CN" altLang="en-US" sz="100" dirty="0">
+                <a:solidFill>
+                  <a:schemeClr val="bg1">
+                    <a:lumMod val="95000"/>
+                  </a:schemeClr>
+                </a:solidFill>
+                <a:latin typeface="Calibri"/>
+                <a:ea typeface="宋体"/>
+              </a:rPr>
+              <a:t>教程： </a:t>
+            </a:r>
+            <a:r>
+              <a:rPr lang="en-US" altLang="zh-CN" sz="100" dirty="0">
+                <a:solidFill>
+                  <a:schemeClr val="bg1">
+                    <a:lumMod val="95000"/>
+                  </a:schemeClr>
+                </a:solidFill>
+                <a:latin typeface="Calibri"/>
+                <a:ea typeface="宋体"/>
+              </a:rPr>
+              <a:t>www.1ppt.com/word/              Excel</a:t>
+            </a:r>
+            <a:r>
+              <a:rPr lang="zh-CN" altLang="en-US" sz="100" dirty="0">
+                <a:solidFill>
+                  <a:schemeClr val="bg1">
+                    <a:lumMod val="95000"/>
+                  </a:schemeClr>
+                </a:solidFill>
+                <a:latin typeface="Calibri"/>
+                <a:ea typeface="宋体"/>
+              </a:rPr>
+              <a:t>教程：</a:t>
+            </a:r>
+            <a:r>
+              <a:rPr lang="en-US" altLang="zh-CN" sz="100" dirty="0">
+                <a:solidFill>
+                  <a:schemeClr val="bg1">
+                    <a:lumMod val="95000"/>
+                  </a:schemeClr>
+                </a:solidFill>
+                <a:latin typeface="Calibri"/>
+                <a:ea typeface="宋体"/>
+              </a:rPr>
+              <a:t>www.1ppt.com/excel/  </a:t>
+            </a:r>
+            <a:endParaRPr lang="en-US" altLang="zh-CN" sz="100" dirty="0">
+              <a:solidFill>
+                <a:schemeClr val="bg1">
+                  <a:lumMod val="95000"/>
+                </a:schemeClr>
+              </a:solidFill>
+              <a:latin typeface="Calibri"/>
+              <a:ea typeface="宋体"/>
+            </a:endParaRPr>
+          </a:p>
+          <a:p>
+            <a:r>
+              <a:rPr lang="zh-CN" altLang="en-US" sz="100" dirty="0">
+                <a:solidFill>
+                  <a:schemeClr val="bg1">
+                    <a:lumMod val="95000"/>
+                  </a:schemeClr>
+                </a:solidFill>
+                <a:latin typeface="Calibri"/>
+                <a:ea typeface="宋体"/>
+              </a:rPr>
+              <a:t>资料下载：</a:t>
+            </a:r>
+            <a:r>
+              <a:rPr lang="en-US" altLang="zh-CN" sz="100" dirty="0">
+                <a:solidFill>
+                  <a:schemeClr val="bg1">
+                    <a:lumMod val="95000"/>
+                  </a:schemeClr>
+                </a:solidFill>
+                <a:latin typeface="Calibri"/>
+                <a:ea typeface="宋体"/>
+              </a:rPr>
+              <a:t>www.1ppt.com/ziliao/                PPT</a:t>
+            </a:r>
+            <a:r>
+              <a:rPr lang="zh-CN" altLang="en-US" sz="100" dirty="0">
+                <a:solidFill>
+                  <a:schemeClr val="bg1">
+                    <a:lumMod val="95000"/>
+                  </a:schemeClr>
+                </a:solidFill>
+                <a:latin typeface="Calibri"/>
+                <a:ea typeface="宋体"/>
+              </a:rPr>
+              <a:t>课件下载：</a:t>
+            </a:r>
+            <a:r>
+              <a:rPr lang="en-US" altLang="zh-CN" sz="100" dirty="0">
+                <a:solidFill>
+                  <a:schemeClr val="bg1">
+                    <a:lumMod val="95000"/>
+                  </a:schemeClr>
+                </a:solidFill>
+                <a:latin typeface="Calibri"/>
+                <a:ea typeface="宋体"/>
+              </a:rPr>
+              <a:t>www.1ppt.com/kejian/ </a:t>
+            </a:r>
+            <a:endParaRPr lang="en-US" altLang="zh-CN" sz="100" dirty="0">
+              <a:solidFill>
+                <a:schemeClr val="bg1">
+                  <a:lumMod val="95000"/>
+                </a:schemeClr>
+              </a:solidFill>
+              <a:latin typeface="Calibri"/>
+              <a:ea typeface="宋体"/>
+            </a:endParaRPr>
+          </a:p>
+          <a:p>
+            <a:r>
+              <a:rPr lang="zh-CN" altLang="en-US" sz="100" dirty="0">
+                <a:solidFill>
+                  <a:schemeClr val="bg1">
+                    <a:lumMod val="95000"/>
+                  </a:schemeClr>
+                </a:solidFill>
+                <a:latin typeface="Calibri"/>
+                <a:ea typeface="宋体"/>
+              </a:rPr>
+              <a:t>范文下载：</a:t>
+            </a:r>
+            <a:r>
+              <a:rPr lang="en-US" altLang="zh-CN" sz="100" dirty="0">
+                <a:solidFill>
+                  <a:schemeClr val="bg1">
+                    <a:lumMod val="95000"/>
+                  </a:schemeClr>
+                </a:solidFill>
+                <a:latin typeface="Calibri"/>
+                <a:ea typeface="宋体"/>
+              </a:rPr>
+              <a:t>www.1ppt.com/fanwen/             </a:t>
+            </a:r>
+            <a:r>
+              <a:rPr lang="zh-CN" altLang="en-US" sz="100" dirty="0">
+                <a:solidFill>
+                  <a:schemeClr val="bg1">
+                    <a:lumMod val="95000"/>
+                  </a:schemeClr>
+                </a:solidFill>
+                <a:latin typeface="Calibri"/>
+                <a:ea typeface="宋体"/>
+              </a:rPr>
+              <a:t>试卷下载：</a:t>
+            </a:r>
+            <a:r>
+              <a:rPr lang="en-US" altLang="zh-CN" sz="100" dirty="0">
+                <a:solidFill>
+                  <a:schemeClr val="bg1">
+                    <a:lumMod val="95000"/>
+                  </a:schemeClr>
+                </a:solidFill>
+                <a:latin typeface="Calibri"/>
+                <a:ea typeface="宋体"/>
+              </a:rPr>
+              <a:t>www.1ppt.com/shiti/  </a:t>
+            </a:r>
+            <a:endParaRPr lang="en-US" altLang="zh-CN" sz="100" dirty="0">
+              <a:solidFill>
+                <a:schemeClr val="bg1">
+                  <a:lumMod val="95000"/>
+                </a:schemeClr>
+              </a:solidFill>
+              <a:latin typeface="Calibri"/>
+              <a:ea typeface="宋体"/>
+            </a:endParaRPr>
+          </a:p>
+          <a:p>
+            <a:r>
+              <a:rPr lang="zh-CN" altLang="en-US" sz="100" dirty="0">
+                <a:solidFill>
+                  <a:schemeClr val="bg1">
+                    <a:lumMod val="95000"/>
+                  </a:schemeClr>
+                </a:solidFill>
+                <a:latin typeface="Calibri"/>
+                <a:ea typeface="宋体"/>
+              </a:rPr>
+              <a:t>教案下载：</a:t>
+            </a:r>
+            <a:r>
+              <a:rPr lang="en-US" altLang="zh-CN" sz="100" dirty="0">
+                <a:solidFill>
+                  <a:schemeClr val="bg1">
+                    <a:lumMod val="95000"/>
+                  </a:schemeClr>
+                </a:solidFill>
+                <a:latin typeface="Calibri"/>
+                <a:ea typeface="宋体"/>
+              </a:rPr>
+              <a:t>www.1ppt.com/jiaoan/  </a:t>
+            </a:r>
+            <a:r>
+              <a:rPr lang="en-US" altLang="zh-CN" sz="100" dirty="0" smtClean="0">
+                <a:solidFill>
+                  <a:schemeClr val="bg1">
+                    <a:lumMod val="95000"/>
+                  </a:schemeClr>
+                </a:solidFill>
+                <a:latin typeface="Calibri"/>
+                <a:ea typeface="宋体"/>
+              </a:rPr>
+              <a:t>      </a:t>
+            </a:r>
+            <a:endParaRPr lang="en-US" altLang="zh-CN" sz="100" dirty="0">
+              <a:solidFill>
+                <a:schemeClr val="bg1">
+                  <a:lumMod val="95000"/>
+                </a:schemeClr>
+              </a:solidFill>
+              <a:latin typeface="Calibri"/>
+              <a:ea typeface="宋体"/>
+            </a:endParaRPr>
+          </a:p>
+          <a:p>
+            <a:r>
+              <a:rPr lang="zh-CN" altLang="en-US" sz="100" dirty="0" smtClean="0">
+                <a:solidFill>
+                  <a:schemeClr val="bg1">
+                    <a:lumMod val="95000"/>
+                  </a:schemeClr>
+                </a:solidFill>
+                <a:latin typeface="Calibri"/>
+                <a:ea typeface="宋体"/>
+              </a:rPr>
+              <a:t>字体下载：</a:t>
+            </a:r>
+            <a:r>
+              <a:rPr lang="en-US" altLang="zh-CN" sz="100" dirty="0" smtClean="0">
+                <a:solidFill>
+                  <a:schemeClr val="bg1">
+                    <a:lumMod val="95000"/>
+                  </a:schemeClr>
+                </a:solidFill>
+                <a:latin typeface="Calibri"/>
+                <a:ea typeface="宋体"/>
+              </a:rPr>
+              <a:t>www.1ppt.com/ziti/</a:t>
+            </a:r>
+            <a:endParaRPr lang="en-US" altLang="zh-CN" sz="100" dirty="0">
+              <a:solidFill>
+                <a:schemeClr val="bg1">
+                  <a:lumMod val="95000"/>
+                </a:schemeClr>
+              </a:solidFill>
+              <a:latin typeface="Calibri"/>
+              <a:ea typeface="宋体"/>
+            </a:endParaRPr>
+          </a:p>
+          <a:p>
+            <a:r>
+              <a:rPr lang="en-US" altLang="zh-CN" sz="100" dirty="0">
+                <a:solidFill>
+                  <a:schemeClr val="bg1">
+                    <a:lumMod val="95000"/>
+                  </a:schemeClr>
+                </a:solidFill>
+                <a:latin typeface="Calibri"/>
+                <a:ea typeface="宋体"/>
+              </a:rPr>
               <a:t> </a:t>
             </a:r>
             <a:endParaRPr lang="zh-CN" altLang="en-US" sz="100" dirty="0">
@@ -3098,11 +3120,6 @@
         </p:txBody>
       </p:sp>
     </p:spTree>
-    <p:extLst>
-      <p:ext uri="{BB962C8B-B14F-4D97-AF65-F5344CB8AC3E}">
-        <p14:creationId xmlns:p14="http://schemas.microsoft.com/office/powerpoint/2010/main" val="1540003005"/>
-      </p:ext>
-    </p:extLst>
   </p:cSld>
   <p:clrMapOvr>
     <a:masterClrMapping/>
@@ -3154,6 +3171,7 @@
               <a:rPr lang="zh-CN" altLang="en-US"/>
               <a:t>单击此处编辑母版标题样式</a:t>
             </a:r>
+            <a:endParaRPr lang="zh-CN" altLang="en-US"/>
           </a:p>
         </p:txBody>
       </p:sp>
@@ -3182,7 +3200,6 @@
           <a:p>
             <a:fld id="{F91A66E9-94DB-4796-808B-8A3CE0FBB6C5}" type="datetimeFigureOut">
               <a:rPr lang="zh-CN" altLang="en-US" smtClean="0"/>
-              <a:t>2018/10/24</a:t>
             </a:fld>
             <a:endParaRPr lang="zh-CN" altLang="en-US"/>
           </a:p>
@@ -3240,18 +3257,12 @@
           <a:p>
             <a:fld id="{AB9546ED-7A57-4FAD-960C-25C9ACD886ED}" type="slidenum">
               <a:rPr lang="zh-CN" altLang="en-US" smtClean="0"/>
-              <a:t>‹#›</a:t>
             </a:fld>
             <a:endParaRPr lang="zh-CN" altLang="en-US"/>
           </a:p>
         </p:txBody>
       </p:sp>
     </p:spTree>
-    <p:extLst>
-      <p:ext uri="{BB962C8B-B14F-4D97-AF65-F5344CB8AC3E}">
-        <p14:creationId xmlns:p14="http://schemas.microsoft.com/office/powerpoint/2010/main" val="447818367"/>
-      </p:ext>
-    </p:extLst>
   </p:cSld>
   <p:clrMapOvr>
     <a:masterClrMapping/>
@@ -3301,7 +3312,6 @@
           <a:p>
             <a:fld id="{F91A66E9-94DB-4796-808B-8A3CE0FBB6C5}" type="datetimeFigureOut">
               <a:rPr lang="zh-CN" altLang="en-US" smtClean="0"/>
-              <a:t>2018/10/24</a:t>
             </a:fld>
             <a:endParaRPr lang="zh-CN" altLang="en-US"/>
           </a:p>
@@ -3359,18 +3369,12 @@
           <a:p>
             <a:fld id="{AB9546ED-7A57-4FAD-960C-25C9ACD886ED}" type="slidenum">
               <a:rPr lang="zh-CN" altLang="en-US" smtClean="0"/>
-              <a:t>‹#›</a:t>
             </a:fld>
             <a:endParaRPr lang="zh-CN" altLang="en-US"/>
           </a:p>
         </p:txBody>
       </p:sp>
     </p:spTree>
-    <p:extLst>
-      <p:ext uri="{BB962C8B-B14F-4D97-AF65-F5344CB8AC3E}">
-        <p14:creationId xmlns:p14="http://schemas.microsoft.com/office/powerpoint/2010/main" val="170259860"/>
-      </p:ext>
-    </p:extLst>
   </p:cSld>
   <p:clrMapOvr>
     <a:masterClrMapping/>
@@ -3426,6 +3430,7 @@
               <a:rPr lang="zh-CN" altLang="en-US"/>
               <a:t>单击此处编辑母版标题样式</a:t>
             </a:r>
+            <a:endParaRPr lang="zh-CN" altLang="en-US"/>
           </a:p>
         </p:txBody>
       </p:sp>
@@ -3485,6 +3490,7 @@
               <a:rPr lang="zh-CN" altLang="en-US"/>
               <a:t>单击此处编辑母版文本样式</a:t>
             </a:r>
+            <a:endParaRPr lang="zh-CN" altLang="en-US"/>
           </a:p>
           <a:p>
             <a:pPr lvl="1"/>
@@ -3492,6 +3498,7 @@
               <a:rPr lang="zh-CN" altLang="en-US"/>
               <a:t>第二级</a:t>
             </a:r>
+            <a:endParaRPr lang="zh-CN" altLang="en-US"/>
           </a:p>
           <a:p>
             <a:pPr lvl="2"/>
@@ -3499,6 +3506,7 @@
               <a:rPr lang="zh-CN" altLang="en-US"/>
               <a:t>第三级</a:t>
             </a:r>
+            <a:endParaRPr lang="zh-CN" altLang="en-US"/>
           </a:p>
           <a:p>
             <a:pPr lvl="3"/>
@@ -3506,6 +3514,7 @@
               <a:rPr lang="zh-CN" altLang="en-US"/>
               <a:t>第四级</a:t>
             </a:r>
+            <a:endParaRPr lang="zh-CN" altLang="en-US"/>
           </a:p>
           <a:p>
             <a:pPr lvl="4"/>
@@ -3513,6 +3522,7 @@
               <a:rPr lang="zh-CN" altLang="en-US"/>
               <a:t>第五级</a:t>
             </a:r>
+            <a:endParaRPr lang="zh-CN" altLang="en-US"/>
           </a:p>
         </p:txBody>
       </p:sp>
@@ -3581,6 +3591,7 @@
               <a:rPr lang="zh-CN" altLang="en-US"/>
               <a:t>单击此处编辑母版文本样式</a:t>
             </a:r>
+            <a:endParaRPr lang="zh-CN" altLang="en-US"/>
           </a:p>
         </p:txBody>
       </p:sp>
@@ -3609,7 +3620,6 @@
           <a:p>
             <a:fld id="{F91A66E9-94DB-4796-808B-8A3CE0FBB6C5}" type="datetimeFigureOut">
               <a:rPr lang="zh-CN" altLang="en-US" smtClean="0"/>
-              <a:t>2018/10/24</a:t>
             </a:fld>
             <a:endParaRPr lang="zh-CN" altLang="en-US"/>
           </a:p>
@@ -3667,18 +3677,12 @@
           <a:p>
             <a:fld id="{AB9546ED-7A57-4FAD-960C-25C9ACD886ED}" type="slidenum">
               <a:rPr lang="zh-CN" altLang="en-US" smtClean="0"/>
-              <a:t>‹#›</a:t>
             </a:fld>
             <a:endParaRPr lang="zh-CN" altLang="en-US"/>
           </a:p>
         </p:txBody>
       </p:sp>
     </p:spTree>
-    <p:extLst>
-      <p:ext uri="{BB962C8B-B14F-4D97-AF65-F5344CB8AC3E}">
-        <p14:creationId xmlns:p14="http://schemas.microsoft.com/office/powerpoint/2010/main" val="2388365927"/>
-      </p:ext>
-    </p:extLst>
   </p:cSld>
   <p:clrMapOvr>
     <a:masterClrMapping/>
@@ -3734,6 +3738,7 @@
               <a:rPr lang="zh-CN" altLang="en-US"/>
               <a:t>单击此处编辑母版标题样式</a:t>
             </a:r>
+            <a:endParaRPr lang="zh-CN" altLang="en-US"/>
           </a:p>
         </p:txBody>
       </p:sp>
@@ -3866,6 +3871,7 @@
               <a:rPr lang="zh-CN" altLang="en-US"/>
               <a:t>单击此处编辑母版文本样式</a:t>
             </a:r>
+            <a:endParaRPr lang="zh-CN" altLang="en-US"/>
           </a:p>
         </p:txBody>
       </p:sp>
@@ -3894,7 +3900,6 @@
           <a:p>
             <a:fld id="{F91A66E9-94DB-4796-808B-8A3CE0FBB6C5}" type="datetimeFigureOut">
               <a:rPr lang="zh-CN" altLang="en-US" smtClean="0"/>
-              <a:t>2018/10/24</a:t>
             </a:fld>
             <a:endParaRPr lang="zh-CN" altLang="en-US"/>
           </a:p>
@@ -3952,18 +3957,12 @@
           <a:p>
             <a:fld id="{AB9546ED-7A57-4FAD-960C-25C9ACD886ED}" type="slidenum">
               <a:rPr lang="zh-CN" altLang="en-US" smtClean="0"/>
-              <a:t>‹#›</a:t>
             </a:fld>
             <a:endParaRPr lang="zh-CN" altLang="en-US"/>
           </a:p>
         </p:txBody>
       </p:sp>
     </p:spTree>
-    <p:extLst>
-      <p:ext uri="{BB962C8B-B14F-4D97-AF65-F5344CB8AC3E}">
-        <p14:creationId xmlns:p14="http://schemas.microsoft.com/office/powerpoint/2010/main" val="3927613202"/>
-      </p:ext>
-    </p:extLst>
   </p:cSld>
   <p:clrMapOvr>
     <a:masterClrMapping/>
@@ -3977,9 +3976,7 @@
     <p:bg>
       <p:bgPr>
         <a:blipFill dpi="0" rotWithShape="1">
-          <a:blip r:embed="rId13">
-            <a:extLst/>
-          </a:blip>
+          <a:blip r:embed="rId12"/>
           <a:srcRect/>
           <a:stretch>
             <a:fillRect/>
@@ -4003,11 +4000,6 @@
         </a:xfrm>
       </p:grpSpPr>
     </p:spTree>
-    <p:extLst>
-      <p:ext uri="{BB962C8B-B14F-4D97-AF65-F5344CB8AC3E}">
-        <p14:creationId xmlns:p14="http://schemas.microsoft.com/office/powerpoint/2010/main" val="4189713793"/>
-      </p:ext>
-    </p:extLst>
   </p:cSld>
   <p:clrMap bg1="lt1" tx1="dk1" bg2="lt2" tx2="dk2" accent1="accent1" accent2="accent2" accent3="accent3" accent4="accent4" accent5="accent5" accent6="accent6" hlink="hlink" folHlink="folHlink"/>
   <p:sldLayoutIdLst>
@@ -5545,7 +5537,7 @@
         <p:spPr>
           <a:xfrm>
             <a:off x="1959268" y="1940202"/>
-            <a:ext cx="5240040" cy="3416320"/>
+            <a:ext cx="5240040" cy="3415030"/>
           </a:xfrm>
           <a:prstGeom prst="rect">
             <a:avLst/>
@@ -5753,8 +5745,6 @@
               </a:rPr>
               <a:t>.</a:t>
             </a:r>
-          </a:p>
-          <a:p>
             <a:endParaRPr lang="en-US" altLang="zh-CN" sz="2400" dirty="0" smtClean="0">
               <a:solidFill>
                 <a:prstClr val="black">
@@ -5767,6 +5757,18 @@
             </a:endParaRPr>
           </a:p>
           <a:p>
+            <a:endParaRPr lang="en-US" altLang="zh-CN" sz="2400" dirty="0" smtClean="0">
+              <a:solidFill>
+                <a:prstClr val="black">
+                  <a:lumMod val="75000"/>
+                  <a:lumOff val="25000"/>
+                </a:prstClr>
+              </a:solidFill>
+              <a:latin typeface="+mj-ea"/>
+              <a:ea typeface="+mj-ea"/>
+            </a:endParaRPr>
+          </a:p>
+          <a:p>
             <a:r>
               <a:rPr lang="zh-CN" altLang="en-US" sz="2400" dirty="0">
                 <a:solidFill>
@@ -5815,7 +5817,7 @@
           </a:p>
           <a:p>
             <a:r>
-              <a:rPr lang="en-US" altLang="zh-CN" sz="2400" dirty="0" smtClean="0">
+              <a:rPr lang="en-US" altLang="zh-CN" sz="2400" b="1" i="1" dirty="0" smtClean="0">
                 <a:solidFill>
                   <a:prstClr val="black">
                     <a:lumMod val="75000"/>
@@ -5825,10 +5827,10 @@
                 <a:latin typeface="+mj-ea"/>
                 <a:ea typeface="+mj-ea"/>
               </a:rPr>
-              <a:t>1 </a:t>
-            </a:r>
-            <a:r>
-              <a:rPr lang="zh-CN" altLang="en-US" sz="2400" dirty="0" smtClean="0">
+              <a:t>1.</a:t>
+            </a:r>
+            <a:r>
+              <a:rPr lang="en-US" altLang="zh-CN" sz="2400" b="1" dirty="0" smtClean="0">
                 <a:solidFill>
                   <a:prstClr val="black">
                     <a:lumMod val="75000"/>
@@ -5838,10 +5840,10 @@
                 <a:latin typeface="+mj-ea"/>
                 <a:ea typeface="+mj-ea"/>
               </a:rPr>
-              <a:t>点击</a:t>
-            </a:r>
-            <a:r>
-              <a:rPr lang="zh-CN" altLang="en-US" sz="2400" dirty="0">
+              <a:t> </a:t>
+            </a:r>
+            <a:r>
+              <a:rPr lang="zh-CN" altLang="en-US" sz="2400" dirty="0" smtClean="0">
                 <a:solidFill>
                   <a:prstClr val="black">
                     <a:lumMod val="75000"/>
@@ -5851,10 +5853,10 @@
                 <a:latin typeface="+mj-ea"/>
                 <a:ea typeface="+mj-ea"/>
               </a:rPr>
-              <a:t>网站后会调用</a:t>
-            </a:r>
-            <a:r>
-              <a:rPr lang="en-US" altLang="zh-CN" sz="2400" dirty="0">
+              <a:t>点击</a:t>
+            </a:r>
+            <a:r>
+              <a:rPr lang="zh-CN" altLang="en-US" sz="2400" dirty="0">
                 <a:solidFill>
                   <a:prstClr val="black">
                     <a:lumMod val="75000"/>
@@ -5864,10 +5866,10 @@
                 <a:latin typeface="+mj-ea"/>
                 <a:ea typeface="+mj-ea"/>
               </a:rPr>
-              <a:t>java</a:t>
-            </a:r>
-            <a:r>
-              <a:rPr lang="zh-CN" altLang="en-US" sz="2400" dirty="0" smtClean="0">
+              <a:t>网站后会调用</a:t>
+            </a:r>
+            <a:r>
+              <a:rPr lang="en-US" altLang="zh-CN" sz="2400" dirty="0">
                 <a:solidFill>
                   <a:prstClr val="black">
                     <a:lumMod val="75000"/>
@@ -5877,10 +5879,10 @@
                 <a:latin typeface="+mj-ea"/>
                 <a:ea typeface="+mj-ea"/>
               </a:rPr>
-              <a:t>后台</a:t>
-            </a:r>
-            <a:r>
-              <a:rPr lang="en-US" altLang="zh-CN" sz="2400" dirty="0" smtClean="0">
+              <a:t>java</a:t>
+            </a:r>
+            <a:r>
+              <a:rPr lang="zh-CN" altLang="en-US" sz="2400" dirty="0" smtClean="0">
                 <a:solidFill>
                   <a:prstClr val="black">
                     <a:lumMod val="75000"/>
@@ -5890,10 +5892,8 @@
                 <a:latin typeface="+mj-ea"/>
                 <a:ea typeface="+mj-ea"/>
               </a:rPr>
-              <a:t>.</a:t>
-            </a:r>
-          </a:p>
-          <a:p>
+              <a:t>后台</a:t>
+            </a:r>
             <a:r>
               <a:rPr lang="en-US" altLang="zh-CN" sz="2400" dirty="0" smtClean="0">
                 <a:solidFill>
@@ -5905,10 +5905,22 @@
                 <a:latin typeface="+mj-ea"/>
                 <a:ea typeface="+mj-ea"/>
               </a:rPr>
-              <a:t>2 java</a:t>
-            </a:r>
-            <a:r>
-              <a:rPr lang="zh-CN" altLang="en-US" sz="2400" dirty="0">
+              <a:t>.</a:t>
+            </a:r>
+            <a:endParaRPr lang="en-US" altLang="zh-CN" sz="2400" dirty="0" smtClean="0">
+              <a:solidFill>
+                <a:prstClr val="black">
+                  <a:lumMod val="75000"/>
+                  <a:lumOff val="25000"/>
+                </a:prstClr>
+              </a:solidFill>
+              <a:latin typeface="+mj-ea"/>
+              <a:ea typeface="+mj-ea"/>
+            </a:endParaRPr>
+          </a:p>
+          <a:p>
+            <a:r>
+              <a:rPr lang="en-US" altLang="zh-CN" sz="2400" b="1" i="1" dirty="0" smtClean="0">
                 <a:solidFill>
                   <a:prstClr val="black">
                     <a:lumMod val="75000"/>
@@ -5918,10 +5930,10 @@
                 <a:latin typeface="+mj-ea"/>
                 <a:ea typeface="+mj-ea"/>
               </a:rPr>
-              <a:t>收到请求</a:t>
-            </a:r>
-            <a:r>
-              <a:rPr lang="en-US" altLang="zh-CN" sz="2400" dirty="0">
+              <a:t>2.</a:t>
+            </a:r>
+            <a:r>
+              <a:rPr lang="en-US" altLang="zh-CN" sz="2400" dirty="0" smtClean="0">
                 <a:solidFill>
                   <a:prstClr val="black">
                     <a:lumMod val="75000"/>
@@ -5931,7 +5943,7 @@
                 <a:latin typeface="+mj-ea"/>
                 <a:ea typeface="+mj-ea"/>
               </a:rPr>
-              <a:t>,</a:t>
+              <a:t> java</a:t>
             </a:r>
             <a:r>
               <a:rPr lang="zh-CN" altLang="en-US" sz="2400" dirty="0">
@@ -5944,10 +5956,10 @@
                 <a:latin typeface="+mj-ea"/>
                 <a:ea typeface="+mj-ea"/>
               </a:rPr>
-              <a:t>处理后会调用</a:t>
-            </a:r>
-            <a:r>
-              <a:rPr lang="zh-CN" altLang="en-US" sz="2400" dirty="0" smtClean="0">
+              <a:t>收到请求</a:t>
+            </a:r>
+            <a:r>
+              <a:rPr lang="en-US" altLang="zh-CN" sz="2400" dirty="0">
                 <a:solidFill>
                   <a:prstClr val="black">
                     <a:lumMod val="75000"/>
@@ -5957,10 +5969,10 @@
                 <a:latin typeface="+mj-ea"/>
                 <a:ea typeface="+mj-ea"/>
               </a:rPr>
-              <a:t>数据库</a:t>
-            </a:r>
-            <a:r>
-              <a:rPr lang="en-US" altLang="zh-CN" sz="2400" dirty="0" smtClean="0">
+              <a:t>,</a:t>
+            </a:r>
+            <a:r>
+              <a:rPr lang="zh-CN" altLang="en-US" sz="2400" dirty="0">
                 <a:solidFill>
                   <a:prstClr val="black">
                     <a:lumMod val="75000"/>
@@ -5970,12 +5982,10 @@
                 <a:latin typeface="+mj-ea"/>
                 <a:ea typeface="+mj-ea"/>
               </a:rPr>
-              <a:t>.</a:t>
-            </a:r>
-          </a:p>
-          <a:p>
-            <a:r>
-              <a:rPr lang="en-US" altLang="zh-CN" sz="2400" dirty="0" smtClean="0">
+              <a:t>处理后会调用</a:t>
+            </a:r>
+            <a:r>
+              <a:rPr lang="zh-CN" altLang="en-US" sz="2400" dirty="0" smtClean="0">
                 <a:solidFill>
                   <a:prstClr val="black">
                     <a:lumMod val="75000"/>
@@ -5985,10 +5995,10 @@
                 <a:latin typeface="+mj-ea"/>
                 <a:ea typeface="+mj-ea"/>
               </a:rPr>
-              <a:t>3 </a:t>
-            </a:r>
-            <a:r>
-              <a:rPr lang="zh-CN" altLang="en-US" sz="2400" dirty="0" smtClean="0">
+              <a:t>数据库</a:t>
+            </a:r>
+            <a:r>
+              <a:rPr lang="en-US" altLang="zh-CN" sz="2400" dirty="0" smtClean="0">
                 <a:solidFill>
                   <a:prstClr val="black">
                     <a:lumMod val="75000"/>
@@ -5998,10 +6008,22 @@
                 <a:latin typeface="+mj-ea"/>
                 <a:ea typeface="+mj-ea"/>
               </a:rPr>
-              <a:t>数据库</a:t>
-            </a:r>
-            <a:r>
-              <a:rPr lang="zh-CN" altLang="en-US" sz="2400" dirty="0">
+              <a:t>.</a:t>
+            </a:r>
+            <a:endParaRPr lang="en-US" altLang="zh-CN" sz="2400" dirty="0" smtClean="0">
+              <a:solidFill>
+                <a:prstClr val="black">
+                  <a:lumMod val="75000"/>
+                  <a:lumOff val="25000"/>
+                </a:prstClr>
+              </a:solidFill>
+              <a:latin typeface="+mj-ea"/>
+              <a:ea typeface="+mj-ea"/>
+            </a:endParaRPr>
+          </a:p>
+          <a:p>
+            <a:r>
+              <a:rPr lang="en-US" altLang="zh-CN" sz="2400" b="1" i="1" dirty="0" smtClean="0">
                 <a:solidFill>
                   <a:prstClr val="black">
                     <a:lumMod val="75000"/>
@@ -6011,10 +6033,10 @@
                 <a:latin typeface="+mj-ea"/>
                 <a:ea typeface="+mj-ea"/>
               </a:rPr>
-              <a:t>把</a:t>
-            </a:r>
-            <a:r>
-              <a:rPr lang="en-US" altLang="zh-CN" sz="2400" dirty="0">
+              <a:t>3.</a:t>
+            </a:r>
+            <a:r>
+              <a:rPr lang="en-US" altLang="zh-CN" sz="2400" dirty="0" smtClean="0">
                 <a:solidFill>
                   <a:prstClr val="black">
                     <a:lumMod val="75000"/>
@@ -6024,10 +6046,10 @@
                 <a:latin typeface="+mj-ea"/>
                 <a:ea typeface="+mj-ea"/>
               </a:rPr>
-              <a:t>java</a:t>
-            </a:r>
-            <a:r>
-              <a:rPr lang="zh-CN" altLang="en-US" sz="2400" dirty="0">
+              <a:t> </a:t>
+            </a:r>
+            <a:r>
+              <a:rPr lang="zh-CN" altLang="en-US" sz="2400" dirty="0" smtClean="0">
                 <a:solidFill>
                   <a:prstClr val="black">
                     <a:lumMod val="75000"/>
@@ -6037,10 +6059,10 @@
                 <a:latin typeface="+mj-ea"/>
                 <a:ea typeface="+mj-ea"/>
               </a:rPr>
-              <a:t>发送过来的请求</a:t>
-            </a:r>
-            <a:r>
-              <a:rPr lang="zh-CN" altLang="en-US" sz="2400" dirty="0" smtClean="0">
+              <a:t>数据库</a:t>
+            </a:r>
+            <a:r>
+              <a:rPr lang="zh-CN" altLang="en-US" sz="2400" dirty="0">
                 <a:solidFill>
                   <a:prstClr val="black">
                     <a:lumMod val="75000"/>
@@ -6050,10 +6072,10 @@
                 <a:latin typeface="+mj-ea"/>
                 <a:ea typeface="+mj-ea"/>
               </a:rPr>
-              <a:t>相应 的</a:t>
-            </a:r>
-            <a:r>
-              <a:rPr lang="zh-CN" altLang="en-US" sz="2400" dirty="0">
+              <a:t>把</a:t>
+            </a:r>
+            <a:r>
+              <a:rPr lang="en-US" altLang="zh-CN" sz="2400" dirty="0">
                 <a:solidFill>
                   <a:prstClr val="black">
                     <a:lumMod val="75000"/>
@@ -6063,10 +6085,10 @@
                 <a:latin typeface="+mj-ea"/>
                 <a:ea typeface="+mj-ea"/>
               </a:rPr>
-              <a:t>找到数据返回给</a:t>
-            </a:r>
-            <a:r>
-              <a:rPr lang="en-US" altLang="zh-CN" sz="2400" dirty="0">
+              <a:t>java</a:t>
+            </a:r>
+            <a:r>
+              <a:rPr lang="zh-CN" altLang="en-US" sz="2400" dirty="0">
                 <a:solidFill>
                   <a:prstClr val="black">
                     <a:lumMod val="75000"/>
@@ -6076,10 +6098,10 @@
                 <a:latin typeface="+mj-ea"/>
                 <a:ea typeface="+mj-ea"/>
               </a:rPr>
-              <a:t>java</a:t>
-            </a:r>
-            <a:r>
-              <a:rPr lang="en-US" altLang="zh-CN" sz="2400" dirty="0" smtClean="0">
+              <a:t>发送过来的请求</a:t>
+            </a:r>
+            <a:r>
+              <a:rPr lang="zh-CN" altLang="en-US" sz="2400" dirty="0" smtClean="0">
                 <a:solidFill>
                   <a:prstClr val="black">
                     <a:lumMod val="75000"/>
@@ -6089,12 +6111,10 @@
                 <a:latin typeface="+mj-ea"/>
                 <a:ea typeface="+mj-ea"/>
               </a:rPr>
-              <a:t>.</a:t>
-            </a:r>
-          </a:p>
-          <a:p>
-            <a:r>
-              <a:rPr lang="en-US" altLang="zh-CN" sz="2400" dirty="0" smtClean="0">
+              <a:t>相应 的</a:t>
+            </a:r>
+            <a:r>
+              <a:rPr lang="zh-CN" altLang="en-US" sz="2400" dirty="0">
                 <a:solidFill>
                   <a:prstClr val="black">
                     <a:lumMod val="75000"/>
@@ -6104,7 +6124,71 @@
                 <a:latin typeface="+mj-ea"/>
                 <a:ea typeface="+mj-ea"/>
               </a:rPr>
-              <a:t>4 java</a:t>
+              <a:t>找到数据返回给</a:t>
+            </a:r>
+            <a:r>
+              <a:rPr lang="en-US" altLang="zh-CN" sz="2400" dirty="0">
+                <a:solidFill>
+                  <a:prstClr val="black">
+                    <a:lumMod val="75000"/>
+                    <a:lumOff val="25000"/>
+                  </a:prstClr>
+                </a:solidFill>
+                <a:latin typeface="+mj-ea"/>
+                <a:ea typeface="+mj-ea"/>
+              </a:rPr>
+              <a:t>java</a:t>
+            </a:r>
+            <a:r>
+              <a:rPr lang="en-US" altLang="zh-CN" sz="2400" dirty="0" smtClean="0">
+                <a:solidFill>
+                  <a:prstClr val="black">
+                    <a:lumMod val="75000"/>
+                    <a:lumOff val="25000"/>
+                  </a:prstClr>
+                </a:solidFill>
+                <a:latin typeface="+mj-ea"/>
+                <a:ea typeface="+mj-ea"/>
+              </a:rPr>
+              <a:t>.</a:t>
+            </a:r>
+            <a:endParaRPr lang="en-US" altLang="zh-CN" sz="2400" dirty="0" smtClean="0">
+              <a:solidFill>
+                <a:prstClr val="black">
+                  <a:lumMod val="75000"/>
+                  <a:lumOff val="25000"/>
+                </a:prstClr>
+              </a:solidFill>
+              <a:latin typeface="+mj-ea"/>
+              <a:ea typeface="+mj-ea"/>
+            </a:endParaRPr>
+          </a:p>
+          <a:p>
+            <a:r>
+              <a:rPr lang="en-US" altLang="zh-CN" sz="2400" b="1" i="1" dirty="0" smtClean="0">
+                <a:solidFill>
+                  <a:prstClr val="black">
+                    <a:lumMod val="75000"/>
+                    <a:lumOff val="25000"/>
+                  </a:prstClr>
+                </a:solidFill>
+                <a:latin typeface="+mj-ea"/>
+                <a:ea typeface="+mj-ea"/>
+              </a:rPr>
+              <a:t>4.</a:t>
+            </a:r>
+            <a:r>
+              <a:rPr lang="en-US" altLang="zh-CN" sz="2400" dirty="0" smtClean="0">
+                <a:solidFill>
+                  <a:prstClr val="black">
+                    <a:lumMod val="75000"/>
+                    <a:lumOff val="25000"/>
+                  </a:prstClr>
+                </a:solidFill>
+                <a:latin typeface="+mj-ea"/>
+                <a:ea typeface="+mj-ea"/>
+              </a:rPr>
+              <a:t> java</a:t>
             </a:r>
             <a:r>
               <a:rPr lang="zh-CN" altLang="en-US" sz="2400" dirty="0">
@@ -6214,7 +6298,6 @@
               <a:buSzTx/>
               <a:buFontTx/>
               <a:buNone/>
-              <a:tabLst/>
               <a:defRPr/>
             </a:pPr>
             <a:endParaRPr kumimoji="0" lang="zh-CN" altLang="en-US" sz="1800" b="0" i="0" u="none" strike="noStrike" kern="0" cap="none" spc="0" normalizeH="0" baseline="0" noProof="0">
@@ -6227,8 +6310,8 @@
               <a:effectLst/>
               <a:uLnTx/>
               <a:uFillTx/>
-              <a:latin typeface="华文细黑"/>
-              <a:ea typeface="华文细黑"/>
+              <a:latin typeface="华文黑体" panose="02010600040101010101" charset="-122"/>
+              <a:ea typeface="华文黑体" panose="02010600040101010101" charset="-122"/>
             </a:endParaRPr>
           </a:p>
         </p:txBody>
@@ -6275,7 +6358,6 @@
               <a:buSzTx/>
               <a:buFontTx/>
               <a:buNone/>
-              <a:tabLst/>
               <a:defRPr/>
             </a:pPr>
             <a:endParaRPr kumimoji="0" lang="zh-CN" altLang="en-US" sz="1800" b="0" i="0" u="none" strike="noStrike" kern="0" cap="none" spc="0" normalizeH="0" baseline="0" noProof="0">
@@ -6288,8 +6370,8 @@
               <a:effectLst/>
               <a:uLnTx/>
               <a:uFillTx/>
-              <a:latin typeface="华文细黑"/>
-              <a:ea typeface="华文细黑"/>
+              <a:latin typeface="华文黑体" panose="02010600040101010101" charset="-122"/>
+              <a:ea typeface="华文黑体" panose="02010600040101010101" charset="-122"/>
             </a:endParaRPr>
           </a:p>
         </p:txBody>
@@ -6336,7 +6418,6 @@
               <a:buSzTx/>
               <a:buFontTx/>
               <a:buNone/>
-              <a:tabLst/>
               <a:defRPr/>
             </a:pPr>
             <a:endParaRPr kumimoji="0" lang="zh-CN" altLang="en-US" sz="1800" b="0" i="0" u="none" strike="noStrike" kern="0" cap="none" spc="0" normalizeH="0" baseline="0" noProof="0">
@@ -6349,8 +6430,8 @@
               <a:effectLst/>
               <a:uLnTx/>
               <a:uFillTx/>
-              <a:latin typeface="华文细黑"/>
-              <a:ea typeface="华文细黑"/>
+              <a:latin typeface="华文黑体" panose="02010600040101010101" charset="-122"/>
+              <a:ea typeface="华文黑体" panose="02010600040101010101" charset="-122"/>
             </a:endParaRPr>
           </a:p>
         </p:txBody>
@@ -6397,7 +6478,6 @@
               <a:buSzTx/>
               <a:buFontTx/>
               <a:buNone/>
-              <a:tabLst/>
               <a:defRPr/>
             </a:pPr>
             <a:endParaRPr kumimoji="0" lang="zh-CN" altLang="en-US" sz="1800" b="0" i="0" u="none" strike="noStrike" kern="0" cap="none" spc="0" normalizeH="0" baseline="0" noProof="0">
@@ -6410,8 +6490,8 @@
               <a:effectLst/>
               <a:uLnTx/>
               <a:uFillTx/>
-              <a:latin typeface="华文细黑"/>
-              <a:ea typeface="华文细黑"/>
+              <a:latin typeface="华文黑体" panose="02010600040101010101" charset="-122"/>
+              <a:ea typeface="华文黑体" panose="02010600040101010101" charset="-122"/>
             </a:endParaRPr>
           </a:p>
         </p:txBody>
@@ -6448,7 +6528,7 @@
                   </a:prstClr>
                 </a:solidFill>
                 <a:latin typeface="Impact" panose="020B0806030902050204" pitchFamily="34" charset="0"/>
-                <a:ea typeface="华文细黑"/>
+                <a:ea typeface="华文黑体" panose="02010600040101010101" charset="-122"/>
               </a:rPr>
               <a:t>项目简介</a:t>
             </a:r>
@@ -6460,7 +6540,7 @@
                 </a:prstClr>
               </a:solidFill>
               <a:latin typeface="Impact" panose="020B0806030902050204" pitchFamily="34" charset="0"/>
-              <a:ea typeface="华文细黑"/>
+              <a:ea typeface="华文黑体" panose="02010600040101010101" charset="-122"/>
             </a:endParaRPr>
           </a:p>
         </p:txBody>
@@ -6523,7 +6603,7 @@
           <p:nvPr/>
         </p:nvPicPr>
         <p:blipFill>
-          <a:blip r:embed="rId4" cstate="print">
+          <a:blip r:embed="rId2" cstate="print">
             <a:extLst>
               <a:ext uri="{28A0092B-C50C-407E-A947-70E740481C1C}">
                 <a14:useLocalDpi xmlns:a14="http://schemas.microsoft.com/office/drawing/2010/main" val="0"/>
@@ -6545,22 +6625,17 @@
         </p:spPr>
       </p:pic>
     </p:spTree>
-    <p:extLst>
-      <p:ext uri="{BB962C8B-B14F-4D97-AF65-F5344CB8AC3E}">
-        <p14:creationId xmlns:p14="http://schemas.microsoft.com/office/powerpoint/2010/main" val="2943204073"/>
-      </p:ext>
-    </p:extLst>
   </p:cSld>
   <p:clrMapOvr>
     <a:masterClrMapping/>
   </p:clrMapOvr>
-  <mc:AlternateContent xmlns:mc="http://schemas.openxmlformats.org/markup-compatibility/2006" xmlns:p14="http://schemas.microsoft.com/office/powerpoint/2010/main">
-    <mc:Choice Requires="p14">
+  <mc:AlternateContent xmlns:mc="http://schemas.openxmlformats.org/markup-compatibility/2006">
+    <mc:Choice xmlns:p14="http://schemas.microsoft.com/office/powerpoint/2010/main" Requires="p14">
       <p:transition spd="slow" p14:dur="1600">
         <p:blinds dir="vert"/>
       </p:transition>
     </mc:Choice>
-    <mc:Fallback xmlns="">
+    <mc:Fallback>
       <p:transition spd="slow">
         <p:blinds dir="vert"/>
       </p:transition>
@@ -7277,7 +7352,7 @@
                         <p:par>
                           <p:cTn id="47" fill="hold">
                             <p:stCondLst>
-                              <p:cond delay="3000"/>
+                              <p:cond delay="1000"/>
                             </p:stCondLst>
                             <p:childTnLst>
                               <p:par>
@@ -8595,7 +8670,7 @@
         <p:spPr>
           <a:xfrm>
             <a:off x="1959268" y="1940202"/>
-            <a:ext cx="5309750" cy="3785652"/>
+            <a:ext cx="5309750" cy="4154170"/>
           </a:xfrm>
           <a:prstGeom prst="rect">
             <a:avLst/>
@@ -8673,406 +8748,6 @@
               </a:rPr>
               <a:t>.</a:t>
             </a:r>
-          </a:p>
-          <a:p>
-            <a:r>
-              <a:rPr lang="en-US" altLang="zh-CN" sz="2400" dirty="0" smtClean="0">
-                <a:solidFill>
-                  <a:prstClr val="black">
-                    <a:lumMod val="75000"/>
-                    <a:lumOff val="25000"/>
-                  </a:prstClr>
-                </a:solidFill>
-                <a:latin typeface="+mj-ea"/>
-                <a:ea typeface="+mj-ea"/>
-              </a:rPr>
-              <a:t>.</a:t>
-            </a:r>
-            <a:r>
-              <a:rPr lang="en-US" altLang="zh-CN" sz="2400" dirty="0">
-                <a:solidFill>
-                  <a:prstClr val="black">
-                    <a:lumMod val="75000"/>
-                    <a:lumOff val="25000"/>
-                  </a:prstClr>
-                </a:solidFill>
-                <a:latin typeface="+mj-ea"/>
-                <a:ea typeface="+mj-ea"/>
-              </a:rPr>
-              <a:t>idea</a:t>
-            </a:r>
-            <a:r>
-              <a:rPr lang="zh-CN" altLang="en-US" sz="2400" dirty="0" smtClean="0">
-                <a:solidFill>
-                  <a:prstClr val="black">
-                    <a:lumMod val="75000"/>
-                    <a:lumOff val="25000"/>
-                  </a:prstClr>
-                </a:solidFill>
-                <a:latin typeface="+mj-ea"/>
-                <a:ea typeface="+mj-ea"/>
-              </a:rPr>
-              <a:t>不用管</a:t>
-            </a:r>
-            <a:r>
-              <a:rPr lang="en-US" altLang="zh-CN" sz="2400" dirty="0" smtClean="0">
-                <a:solidFill>
-                  <a:prstClr val="black">
-                    <a:lumMod val="75000"/>
-                    <a:lumOff val="25000"/>
-                  </a:prstClr>
-                </a:solidFill>
-                <a:latin typeface="+mj-ea"/>
-                <a:ea typeface="+mj-ea"/>
-              </a:rPr>
-              <a:t>,</a:t>
-            </a:r>
-            <a:r>
-              <a:rPr lang="zh-CN" altLang="en-US" sz="2400" dirty="0" smtClean="0">
-                <a:solidFill>
-                  <a:prstClr val="black">
-                    <a:lumMod val="75000"/>
-                    <a:lumOff val="25000"/>
-                  </a:prstClr>
-                </a:solidFill>
-                <a:latin typeface="+mj-ea"/>
-                <a:ea typeface="+mj-ea"/>
-              </a:rPr>
-              <a:t>是工具</a:t>
-            </a:r>
-            <a:r>
-              <a:rPr lang="zh-CN" altLang="en-US" sz="2400" dirty="0">
-                <a:solidFill>
-                  <a:prstClr val="black">
-                    <a:lumMod val="75000"/>
-                    <a:lumOff val="25000"/>
-                  </a:prstClr>
-                </a:solidFill>
-                <a:latin typeface="+mj-ea"/>
-                <a:ea typeface="+mj-ea"/>
-              </a:rPr>
-              <a:t>自带的管理</a:t>
-            </a:r>
-            <a:r>
-              <a:rPr lang="zh-CN" altLang="en-US" sz="2400" dirty="0" smtClean="0">
-                <a:solidFill>
-                  <a:prstClr val="black">
-                    <a:lumMod val="75000"/>
-                    <a:lumOff val="25000"/>
-                  </a:prstClr>
-                </a:solidFill>
-                <a:latin typeface="+mj-ea"/>
-                <a:ea typeface="+mj-ea"/>
-              </a:rPr>
-              <a:t>文件</a:t>
-            </a:r>
-            <a:r>
-              <a:rPr lang="en-US" altLang="zh-CN" sz="2400" dirty="0" smtClean="0">
-                <a:solidFill>
-                  <a:prstClr val="black">
-                    <a:lumMod val="75000"/>
-                    <a:lumOff val="25000"/>
-                  </a:prstClr>
-                </a:solidFill>
-                <a:latin typeface="+mj-ea"/>
-                <a:ea typeface="+mj-ea"/>
-              </a:rPr>
-              <a:t>, </a:t>
-            </a:r>
-            <a:r>
-              <a:rPr lang="zh-CN" altLang="en-US" sz="2400" dirty="0">
-                <a:solidFill>
-                  <a:prstClr val="black">
-                    <a:lumMod val="75000"/>
-                    <a:lumOff val="25000"/>
-                  </a:prstClr>
-                </a:solidFill>
-                <a:latin typeface="+mj-ea"/>
-                <a:ea typeface="+mj-ea"/>
-              </a:rPr>
-              <a:t>跟项目无关</a:t>
-            </a:r>
-            <a:r>
-              <a:rPr lang="en-US" altLang="zh-CN" sz="2400" dirty="0" smtClean="0">
-                <a:solidFill>
-                  <a:prstClr val="black">
-                    <a:lumMod val="75000"/>
-                    <a:lumOff val="25000"/>
-                  </a:prstClr>
-                </a:solidFill>
-                <a:latin typeface="+mj-ea"/>
-                <a:ea typeface="+mj-ea"/>
-              </a:rPr>
-              <a:t>. </a:t>
-            </a:r>
-          </a:p>
-          <a:p>
-            <a:r>
-              <a:rPr lang="en-US" altLang="zh-CN" sz="2400" dirty="0" smtClean="0">
-                <a:solidFill>
-                  <a:prstClr val="black">
-                    <a:lumMod val="75000"/>
-                    <a:lumOff val="25000"/>
-                  </a:prstClr>
-                </a:solidFill>
-                <a:latin typeface="+mj-ea"/>
-                <a:ea typeface="+mj-ea"/>
-              </a:rPr>
-              <a:t>5</a:t>
-            </a:r>
-            <a:r>
-              <a:rPr lang="zh-CN" altLang="en-US" sz="2400" dirty="0" smtClean="0">
-                <a:solidFill>
-                  <a:prstClr val="black">
-                    <a:lumMod val="75000"/>
-                    <a:lumOff val="25000"/>
-                  </a:prstClr>
-                </a:solidFill>
-                <a:latin typeface="+mj-ea"/>
-                <a:ea typeface="+mj-ea"/>
-              </a:rPr>
-              <a:t>个模块分别为</a:t>
-            </a:r>
-            <a:r>
-              <a:rPr lang="en-US" altLang="zh-CN" sz="2400" dirty="0" smtClean="0">
-                <a:solidFill>
-                  <a:prstClr val="black">
-                    <a:lumMod val="75000"/>
-                    <a:lumOff val="25000"/>
-                  </a:prstClr>
-                </a:solidFill>
-                <a:latin typeface="+mj-ea"/>
-                <a:ea typeface="+mj-ea"/>
-              </a:rPr>
-              <a:t>:</a:t>
-            </a:r>
-          </a:p>
-          <a:p>
-            <a:r>
-              <a:rPr lang="en-US" altLang="zh-CN" sz="2400" dirty="0" smtClean="0">
-                <a:solidFill>
-                  <a:prstClr val="black">
-                    <a:lumMod val="75000"/>
-                    <a:lumOff val="25000"/>
-                  </a:prstClr>
-                </a:solidFill>
-                <a:latin typeface="+mj-ea"/>
-                <a:ea typeface="+mj-ea"/>
-              </a:rPr>
-              <a:t>model:</a:t>
-            </a:r>
-            <a:r>
-              <a:rPr lang="zh-CN" altLang="en-US" sz="2400" dirty="0" smtClean="0">
-                <a:solidFill>
-                  <a:prstClr val="black">
-                    <a:lumMod val="75000"/>
-                    <a:lumOff val="25000"/>
-                  </a:prstClr>
-                </a:solidFill>
-                <a:latin typeface="+mj-ea"/>
-                <a:ea typeface="+mj-ea"/>
-              </a:rPr>
-              <a:t>用来</a:t>
-            </a:r>
-            <a:r>
-              <a:rPr lang="zh-CN" altLang="en-US" sz="2400" dirty="0">
-                <a:solidFill>
-                  <a:prstClr val="black">
-                    <a:lumMod val="75000"/>
-                    <a:lumOff val="25000"/>
-                  </a:prstClr>
-                </a:solidFill>
-                <a:latin typeface="+mj-ea"/>
-                <a:ea typeface="+mj-ea"/>
-              </a:rPr>
-              <a:t>关联数据库表的</a:t>
-            </a:r>
-            <a:r>
-              <a:rPr lang="en-US" altLang="zh-CN" sz="2400" dirty="0" smtClean="0">
-                <a:solidFill>
-                  <a:prstClr val="black">
-                    <a:lumMod val="75000"/>
-                    <a:lumOff val="25000"/>
-                  </a:prstClr>
-                </a:solidFill>
-                <a:latin typeface="+mj-ea"/>
-                <a:ea typeface="+mj-ea"/>
-              </a:rPr>
-              <a:t>.</a:t>
-            </a:r>
-          </a:p>
-          <a:p>
-            <a:r>
-              <a:rPr lang="en-US" altLang="zh-CN" sz="2400" dirty="0" err="1" smtClean="0">
-                <a:solidFill>
-                  <a:prstClr val="black">
-                    <a:lumMod val="75000"/>
-                    <a:lumOff val="25000"/>
-                  </a:prstClr>
-                </a:solidFill>
-                <a:latin typeface="+mj-ea"/>
-                <a:ea typeface="+mj-ea"/>
-              </a:rPr>
-              <a:t>dao</a:t>
-            </a:r>
-            <a:r>
-              <a:rPr lang="en-US" altLang="zh-CN" sz="2400" dirty="0" smtClean="0">
-                <a:solidFill>
-                  <a:prstClr val="black">
-                    <a:lumMod val="75000"/>
-                    <a:lumOff val="25000"/>
-                  </a:prstClr>
-                </a:solidFill>
-                <a:latin typeface="+mj-ea"/>
-                <a:ea typeface="+mj-ea"/>
-              </a:rPr>
-              <a:t>:</a:t>
-            </a:r>
-            <a:r>
-              <a:rPr lang="zh-CN" altLang="en-US" sz="2400" dirty="0" smtClean="0">
-                <a:solidFill>
-                  <a:prstClr val="black">
-                    <a:lumMod val="75000"/>
-                    <a:lumOff val="25000"/>
-                  </a:prstClr>
-                </a:solidFill>
-                <a:latin typeface="+mj-ea"/>
-                <a:ea typeface="+mj-ea"/>
-              </a:rPr>
-              <a:t>用来</a:t>
-            </a:r>
-            <a:r>
-              <a:rPr lang="zh-CN" altLang="en-US" sz="2400" dirty="0">
-                <a:solidFill>
-                  <a:prstClr val="black">
-                    <a:lumMod val="75000"/>
-                    <a:lumOff val="25000"/>
-                  </a:prstClr>
-                </a:solidFill>
-                <a:latin typeface="+mj-ea"/>
-                <a:ea typeface="+mj-ea"/>
-              </a:rPr>
-              <a:t>给数据库发送和接收信息的</a:t>
-            </a:r>
-            <a:r>
-              <a:rPr lang="en-US" altLang="zh-CN" sz="2400" dirty="0">
-                <a:solidFill>
-                  <a:prstClr val="black">
-                    <a:lumMod val="75000"/>
-                    <a:lumOff val="25000"/>
-                  </a:prstClr>
-                </a:solidFill>
-                <a:latin typeface="+mj-ea"/>
-                <a:ea typeface="+mj-ea"/>
-              </a:rPr>
-              <a:t>. </a:t>
-            </a:r>
-            <a:r>
-              <a:rPr lang="en-US" altLang="zh-CN" sz="2400" dirty="0" smtClean="0">
-                <a:solidFill>
-                  <a:prstClr val="black">
-                    <a:lumMod val="75000"/>
-                    <a:lumOff val="25000"/>
-                  </a:prstClr>
-                </a:solidFill>
-                <a:latin typeface="+mj-ea"/>
-                <a:ea typeface="+mj-ea"/>
-              </a:rPr>
-              <a:t>Service:</a:t>
-            </a:r>
-            <a:r>
-              <a:rPr lang="zh-CN" altLang="en-US" sz="2400" dirty="0" smtClean="0">
-                <a:solidFill>
-                  <a:prstClr val="black">
-                    <a:lumMod val="75000"/>
-                    <a:lumOff val="25000"/>
-                  </a:prstClr>
-                </a:solidFill>
-                <a:latin typeface="+mj-ea"/>
-                <a:ea typeface="+mj-ea"/>
-              </a:rPr>
-              <a:t>中间</a:t>
-            </a:r>
-            <a:r>
-              <a:rPr lang="zh-CN" altLang="en-US" sz="2400" dirty="0">
-                <a:solidFill>
-                  <a:prstClr val="black">
-                    <a:lumMod val="75000"/>
-                    <a:lumOff val="25000"/>
-                  </a:prstClr>
-                </a:solidFill>
-                <a:latin typeface="+mj-ea"/>
-                <a:ea typeface="+mj-ea"/>
-              </a:rPr>
-              <a:t>处理层</a:t>
-            </a:r>
-            <a:r>
-              <a:rPr lang="en-US" altLang="zh-CN" sz="2400" dirty="0" smtClean="0">
-                <a:solidFill>
-                  <a:prstClr val="black">
-                    <a:lumMod val="75000"/>
-                    <a:lumOff val="25000"/>
-                  </a:prstClr>
-                </a:solidFill>
-                <a:latin typeface="+mj-ea"/>
-                <a:ea typeface="+mj-ea"/>
-              </a:rPr>
-              <a:t>.</a:t>
-            </a:r>
-          </a:p>
-          <a:p>
-            <a:r>
-              <a:rPr lang="en-US" altLang="zh-CN" sz="2400" dirty="0" smtClean="0">
-                <a:solidFill>
-                  <a:prstClr val="black">
-                    <a:lumMod val="75000"/>
-                    <a:lumOff val="25000"/>
-                  </a:prstClr>
-                </a:solidFill>
-                <a:latin typeface="+mj-ea"/>
-                <a:ea typeface="+mj-ea"/>
-              </a:rPr>
-              <a:t>Controller:</a:t>
-            </a:r>
-            <a:r>
-              <a:rPr lang="zh-CN" altLang="en-US" sz="2400" dirty="0" smtClean="0">
-                <a:solidFill>
-                  <a:prstClr val="black">
-                    <a:lumMod val="75000"/>
-                    <a:lumOff val="25000"/>
-                  </a:prstClr>
-                </a:solidFill>
-                <a:latin typeface="+mj-ea"/>
-                <a:ea typeface="+mj-ea"/>
-              </a:rPr>
-              <a:t>用来</a:t>
-            </a:r>
-            <a:r>
-              <a:rPr lang="zh-CN" altLang="en-US" sz="2400" dirty="0">
-                <a:solidFill>
-                  <a:prstClr val="black">
-                    <a:lumMod val="75000"/>
-                    <a:lumOff val="25000"/>
-                  </a:prstClr>
-                </a:solidFill>
-                <a:latin typeface="+mj-ea"/>
-                <a:ea typeface="+mj-ea"/>
-              </a:rPr>
-              <a:t>接收和返回页面传过来的信息</a:t>
-            </a:r>
-            <a:r>
-              <a:rPr lang="en-US" altLang="zh-CN" sz="2400" dirty="0">
-                <a:solidFill>
-                  <a:prstClr val="black">
-                    <a:lumMod val="75000"/>
-                    <a:lumOff val="25000"/>
-                  </a:prstClr>
-                </a:solidFill>
-                <a:latin typeface="+mj-ea"/>
-                <a:ea typeface="+mj-ea"/>
-              </a:rPr>
-              <a:t>. </a:t>
-            </a:r>
             <a:endParaRPr lang="en-US" altLang="zh-CN" sz="2400" dirty="0" smtClean="0">
               <a:solidFill>
                 <a:prstClr val="black">
@@ -9096,7 +8771,573 @@
                 <a:latin typeface="+mj-ea"/>
                 <a:ea typeface="+mj-ea"/>
               </a:rPr>
-              <a:t>Web:</a:t>
+              <a:t>.</a:t>
+            </a:r>
+            <a:r>
+              <a:rPr lang="en-US" altLang="zh-CN" sz="2400" dirty="0">
+                <a:solidFill>
+                  <a:prstClr val="black">
+                    <a:lumMod val="75000"/>
+                    <a:lumOff val="25000"/>
+                  </a:prstClr>
+                </a:solidFill>
+                <a:latin typeface="+mj-ea"/>
+                <a:ea typeface="+mj-ea"/>
+              </a:rPr>
+              <a:t>idea</a:t>
+            </a:r>
+            <a:r>
+              <a:rPr lang="zh-CN" altLang="en-US" sz="2400" dirty="0">
+                <a:solidFill>
+                  <a:prstClr val="black">
+                    <a:lumMod val="75000"/>
+                    <a:lumOff val="25000"/>
+                  </a:prstClr>
+                </a:solidFill>
+                <a:latin typeface="+mj-ea"/>
+                <a:ea typeface="+mj-ea"/>
+              </a:rPr>
+              <a:t>文件夹</a:t>
+            </a:r>
+            <a:r>
+              <a:rPr lang="zh-CN" altLang="en-US" sz="2400" dirty="0" smtClean="0">
+                <a:solidFill>
+                  <a:prstClr val="black">
+                    <a:lumMod val="75000"/>
+                    <a:lumOff val="25000"/>
+                  </a:prstClr>
+                </a:solidFill>
+                <a:latin typeface="+mj-ea"/>
+                <a:ea typeface="+mj-ea"/>
+              </a:rPr>
+              <a:t>不用管</a:t>
+            </a:r>
+            <a:r>
+              <a:rPr lang="en-US" altLang="zh-CN" sz="2400" dirty="0" smtClean="0">
+                <a:solidFill>
+                  <a:prstClr val="black">
+                    <a:lumMod val="75000"/>
+                    <a:lumOff val="25000"/>
+                  </a:prstClr>
+                </a:solidFill>
+                <a:latin typeface="+mj-ea"/>
+                <a:ea typeface="+mj-ea"/>
+              </a:rPr>
+              <a:t>,</a:t>
+            </a:r>
+            <a:r>
+              <a:rPr lang="zh-CN" altLang="en-US" sz="2400" dirty="0" smtClean="0">
+                <a:solidFill>
+                  <a:prstClr val="black">
+                    <a:lumMod val="75000"/>
+                    <a:lumOff val="25000"/>
+                  </a:prstClr>
+                </a:solidFill>
+                <a:latin typeface="+mj-ea"/>
+                <a:ea typeface="+mj-ea"/>
+              </a:rPr>
+              <a:t>是工具</a:t>
+            </a:r>
+            <a:r>
+              <a:rPr lang="zh-CN" altLang="en-US" sz="2400" dirty="0">
+                <a:solidFill>
+                  <a:prstClr val="black">
+                    <a:lumMod val="75000"/>
+                    <a:lumOff val="25000"/>
+                  </a:prstClr>
+                </a:solidFill>
+                <a:latin typeface="+mj-ea"/>
+                <a:ea typeface="+mj-ea"/>
+              </a:rPr>
+              <a:t>自带的管理</a:t>
+            </a:r>
+            <a:r>
+              <a:rPr lang="zh-CN" altLang="en-US" sz="2400" dirty="0" smtClean="0">
+                <a:solidFill>
+                  <a:prstClr val="black">
+                    <a:lumMod val="75000"/>
+                    <a:lumOff val="25000"/>
+                  </a:prstClr>
+                </a:solidFill>
+                <a:latin typeface="+mj-ea"/>
+                <a:ea typeface="+mj-ea"/>
+              </a:rPr>
+              <a:t>文件夹</a:t>
+            </a:r>
+            <a:r>
+              <a:rPr lang="en-US" altLang="zh-CN" sz="2400" dirty="0" smtClean="0">
+                <a:solidFill>
+                  <a:prstClr val="black">
+                    <a:lumMod val="75000"/>
+                    <a:lumOff val="25000"/>
+                  </a:prstClr>
+                </a:solidFill>
+                <a:latin typeface="+mj-ea"/>
+                <a:ea typeface="+mj-ea"/>
+              </a:rPr>
+              <a:t>, </a:t>
+            </a:r>
+            <a:r>
+              <a:rPr lang="zh-CN" altLang="en-US" sz="2400" dirty="0">
+                <a:solidFill>
+                  <a:prstClr val="black">
+                    <a:lumMod val="75000"/>
+                    <a:lumOff val="25000"/>
+                  </a:prstClr>
+                </a:solidFill>
+                <a:latin typeface="+mj-ea"/>
+                <a:ea typeface="+mj-ea"/>
+              </a:rPr>
+              <a:t>跟项目无关</a:t>
+            </a:r>
+            <a:r>
+              <a:rPr lang="en-US" altLang="zh-CN" sz="2400" dirty="0" smtClean="0">
+                <a:solidFill>
+                  <a:prstClr val="black">
+                    <a:lumMod val="75000"/>
+                    <a:lumOff val="25000"/>
+                  </a:prstClr>
+                </a:solidFill>
+                <a:latin typeface="+mj-ea"/>
+                <a:ea typeface="+mj-ea"/>
+              </a:rPr>
+              <a:t>. </a:t>
+            </a:r>
+            <a:endParaRPr lang="en-US" altLang="zh-CN" sz="2400" dirty="0" smtClean="0">
+              <a:solidFill>
+                <a:prstClr val="black">
+                  <a:lumMod val="75000"/>
+                  <a:lumOff val="25000"/>
+                </a:prstClr>
+              </a:solidFill>
+              <a:latin typeface="+mj-ea"/>
+              <a:ea typeface="+mj-ea"/>
+            </a:endParaRPr>
+          </a:p>
+          <a:p>
+            <a:r>
+              <a:rPr lang="en-US" altLang="zh-CN" sz="2400" b="1" dirty="0" smtClean="0">
+                <a:solidFill>
+                  <a:prstClr val="black">
+                    <a:lumMod val="75000"/>
+                    <a:lumOff val="25000"/>
+                  </a:prstClr>
+                </a:solidFill>
+                <a:latin typeface="+mj-ea"/>
+                <a:ea typeface="+mj-ea"/>
+              </a:rPr>
+              <a:t>5</a:t>
+            </a:r>
+            <a:r>
+              <a:rPr lang="zh-CN" altLang="en-US" sz="2400" b="1" dirty="0" smtClean="0">
+                <a:solidFill>
+                  <a:prstClr val="black">
+                    <a:lumMod val="75000"/>
+                    <a:lumOff val="25000"/>
+                  </a:prstClr>
+                </a:solidFill>
+                <a:latin typeface="+mj-ea"/>
+                <a:ea typeface="+mj-ea"/>
+              </a:rPr>
+              <a:t>个模块分别为</a:t>
+            </a:r>
+            <a:r>
+              <a:rPr lang="en-US" altLang="zh-CN" sz="2400" b="1" dirty="0" smtClean="0">
+                <a:solidFill>
+                  <a:prstClr val="black">
+                    <a:lumMod val="75000"/>
+                    <a:lumOff val="25000"/>
+                  </a:prstClr>
+                </a:solidFill>
+                <a:latin typeface="+mj-ea"/>
+                <a:ea typeface="+mj-ea"/>
+              </a:rPr>
+              <a:t>:</a:t>
+            </a:r>
+            <a:endParaRPr lang="en-US" altLang="zh-CN" sz="2400" dirty="0" smtClean="0">
+              <a:solidFill>
+                <a:prstClr val="black">
+                  <a:lumMod val="75000"/>
+                  <a:lumOff val="25000"/>
+                </a:prstClr>
+              </a:solidFill>
+              <a:latin typeface="+mj-ea"/>
+              <a:ea typeface="+mj-ea"/>
+            </a:endParaRPr>
+          </a:p>
+          <a:p>
+            <a:r>
+              <a:rPr lang="en-US" altLang="zh-CN" sz="2400" b="1" i="1" dirty="0" smtClean="0">
+                <a:solidFill>
+                  <a:prstClr val="black">
+                    <a:lumMod val="75000"/>
+                    <a:lumOff val="25000"/>
+                  </a:prstClr>
+                </a:solidFill>
+                <a:latin typeface="+mj-ea"/>
+                <a:ea typeface="+mj-ea"/>
+              </a:rPr>
+              <a:t>1.</a:t>
+            </a:r>
+            <a:r>
+              <a:rPr lang="en-US" altLang="zh-CN" sz="2400" dirty="0" smtClean="0">
+                <a:solidFill>
+                  <a:prstClr val="black">
+                    <a:lumMod val="75000"/>
+                    <a:lumOff val="25000"/>
+                  </a:prstClr>
+                </a:solidFill>
+                <a:latin typeface="+mj-ea"/>
+                <a:ea typeface="+mj-ea"/>
+              </a:rPr>
+              <a:t> model:</a:t>
+            </a:r>
+            <a:r>
+              <a:rPr lang="zh-CN" altLang="en-US" sz="2400" dirty="0" smtClean="0">
+                <a:solidFill>
+                  <a:prstClr val="black">
+                    <a:lumMod val="75000"/>
+                    <a:lumOff val="25000"/>
+                  </a:prstClr>
+                </a:solidFill>
+                <a:latin typeface="+mj-ea"/>
+                <a:ea typeface="+mj-ea"/>
+              </a:rPr>
+              <a:t>用来</a:t>
+            </a:r>
+            <a:r>
+              <a:rPr lang="zh-CN" altLang="en-US" sz="2400" dirty="0">
+                <a:solidFill>
+                  <a:prstClr val="black">
+                    <a:lumMod val="75000"/>
+                    <a:lumOff val="25000"/>
+                  </a:prstClr>
+                </a:solidFill>
+                <a:latin typeface="+mj-ea"/>
+                <a:ea typeface="+mj-ea"/>
+              </a:rPr>
+              <a:t>关联数据库表的</a:t>
+            </a:r>
+            <a:r>
+              <a:rPr lang="en-US" altLang="zh-CN" sz="2400" dirty="0" smtClean="0">
+                <a:solidFill>
+                  <a:prstClr val="black">
+                    <a:lumMod val="75000"/>
+                    <a:lumOff val="25000"/>
+                  </a:prstClr>
+                </a:solidFill>
+                <a:latin typeface="+mj-ea"/>
+                <a:ea typeface="+mj-ea"/>
+              </a:rPr>
+              <a:t>.</a:t>
+            </a:r>
+            <a:endParaRPr lang="en-US" altLang="zh-CN" sz="2400" dirty="0" smtClean="0">
+              <a:solidFill>
+                <a:prstClr val="black">
+                  <a:lumMod val="75000"/>
+                  <a:lumOff val="25000"/>
+                </a:prstClr>
+              </a:solidFill>
+              <a:latin typeface="+mj-ea"/>
+              <a:ea typeface="+mj-ea"/>
+            </a:endParaRPr>
+          </a:p>
+          <a:p>
+            <a:r>
+              <a:rPr lang="en-US" altLang="zh-CN" sz="2400" b="1" i="1" dirty="0" err="1" smtClean="0">
+                <a:solidFill>
+                  <a:prstClr val="black">
+                    <a:lumMod val="75000"/>
+                    <a:lumOff val="25000"/>
+                  </a:prstClr>
+                </a:solidFill>
+                <a:latin typeface="+mj-ea"/>
+                <a:ea typeface="+mj-ea"/>
+              </a:rPr>
+              <a:t>2.</a:t>
+            </a:r>
+            <a:r>
+              <a:rPr lang="en-US" altLang="zh-CN" sz="2400" dirty="0" err="1" smtClean="0">
+                <a:solidFill>
+                  <a:prstClr val="black">
+                    <a:lumMod val="75000"/>
+                    <a:lumOff val="25000"/>
+                  </a:prstClr>
+                </a:solidFill>
+                <a:latin typeface="+mj-ea"/>
+                <a:ea typeface="+mj-ea"/>
+              </a:rPr>
+              <a:t> dao</a:t>
+            </a:r>
+            <a:r>
+              <a:rPr lang="en-US" altLang="zh-CN" sz="2400" dirty="0" smtClean="0">
+                <a:solidFill>
+                  <a:prstClr val="black">
+                    <a:lumMod val="75000"/>
+                    <a:lumOff val="25000"/>
+                  </a:prstClr>
+                </a:solidFill>
+                <a:latin typeface="+mj-ea"/>
+                <a:ea typeface="+mj-ea"/>
+              </a:rPr>
+              <a:t>:</a:t>
+            </a:r>
+            <a:r>
+              <a:rPr lang="zh-CN" altLang="en-US" sz="2400" dirty="0" smtClean="0">
+                <a:solidFill>
+                  <a:prstClr val="black">
+                    <a:lumMod val="75000"/>
+                    <a:lumOff val="25000"/>
+                  </a:prstClr>
+                </a:solidFill>
+                <a:latin typeface="+mj-ea"/>
+                <a:ea typeface="+mj-ea"/>
+              </a:rPr>
+              <a:t>用来</a:t>
+            </a:r>
+            <a:r>
+              <a:rPr lang="zh-CN" altLang="en-US" sz="2400" dirty="0">
+                <a:solidFill>
+                  <a:prstClr val="black">
+                    <a:lumMod val="75000"/>
+                    <a:lumOff val="25000"/>
+                  </a:prstClr>
+                </a:solidFill>
+                <a:latin typeface="+mj-ea"/>
+                <a:ea typeface="+mj-ea"/>
+              </a:rPr>
+              <a:t>给数据库发送和接收信息的</a:t>
+            </a:r>
+            <a:r>
+              <a:rPr lang="en-US" altLang="zh-CN" sz="2400" dirty="0">
+                <a:solidFill>
+                  <a:prstClr val="black">
+                    <a:lumMod val="75000"/>
+                    <a:lumOff val="25000"/>
+                  </a:prstClr>
+                </a:solidFill>
+                <a:latin typeface="+mj-ea"/>
+                <a:ea typeface="+mj-ea"/>
+              </a:rPr>
+              <a:t>. </a:t>
+            </a:r>
+            <a:endParaRPr lang="en-US" altLang="zh-CN" sz="2400" dirty="0">
+              <a:solidFill>
+                <a:prstClr val="black">
+                  <a:lumMod val="75000"/>
+                  <a:lumOff val="25000"/>
+                </a:prstClr>
+              </a:solidFill>
+              <a:latin typeface="+mj-ea"/>
+              <a:ea typeface="+mj-ea"/>
+            </a:endParaRPr>
+          </a:p>
+          <a:p>
+            <a:r>
+              <a:rPr lang="en-US" altLang="zh-CN" sz="2400" b="1" i="1" dirty="0">
+                <a:solidFill>
+                  <a:prstClr val="black">
+                    <a:lumMod val="75000"/>
+                    <a:lumOff val="25000"/>
+                  </a:prstClr>
+                </a:solidFill>
+                <a:latin typeface="+mj-ea"/>
+                <a:ea typeface="+mj-ea"/>
+              </a:rPr>
+              <a:t>3.</a:t>
+            </a:r>
+            <a:r>
+              <a:rPr lang="en-US" altLang="zh-CN" sz="2400" dirty="0">
+                <a:solidFill>
+                  <a:prstClr val="black">
+                    <a:lumMod val="75000"/>
+                    <a:lumOff val="25000"/>
+                  </a:prstClr>
+                </a:solidFill>
+                <a:latin typeface="+mj-ea"/>
+                <a:ea typeface="+mj-ea"/>
+              </a:rPr>
+              <a:t> </a:t>
+            </a:r>
+            <a:r>
+              <a:rPr lang="en-US" altLang="zh-CN" sz="2400" dirty="0" smtClean="0">
+                <a:solidFill>
+                  <a:prstClr val="black">
+                    <a:lumMod val="75000"/>
+                    <a:lumOff val="25000"/>
+                  </a:prstClr>
+                </a:solidFill>
+                <a:latin typeface="+mj-ea"/>
+                <a:ea typeface="+mj-ea"/>
+              </a:rPr>
+              <a:t>Service:</a:t>
+            </a:r>
+            <a:r>
+              <a:rPr lang="zh-CN" altLang="en-US" sz="2400" dirty="0" smtClean="0">
+                <a:solidFill>
+                  <a:prstClr val="black">
+                    <a:lumMod val="75000"/>
+                    <a:lumOff val="25000"/>
+                  </a:prstClr>
+                </a:solidFill>
+                <a:latin typeface="+mj-ea"/>
+                <a:ea typeface="+mj-ea"/>
+              </a:rPr>
+              <a:t>中间</a:t>
+            </a:r>
+            <a:r>
+              <a:rPr lang="zh-CN" altLang="en-US" sz="2400" dirty="0">
+                <a:solidFill>
+                  <a:prstClr val="black">
+                    <a:lumMod val="75000"/>
+                    <a:lumOff val="25000"/>
+                  </a:prstClr>
+                </a:solidFill>
+                <a:latin typeface="+mj-ea"/>
+                <a:ea typeface="+mj-ea"/>
+              </a:rPr>
+              <a:t>处理层</a:t>
+            </a:r>
+            <a:r>
+              <a:rPr lang="en-US" altLang="zh-CN" sz="2400" dirty="0" smtClean="0">
+                <a:solidFill>
+                  <a:prstClr val="black">
+                    <a:lumMod val="75000"/>
+                    <a:lumOff val="25000"/>
+                  </a:prstClr>
+                </a:solidFill>
+                <a:latin typeface="+mj-ea"/>
+                <a:ea typeface="+mj-ea"/>
+              </a:rPr>
+              <a:t>.</a:t>
+            </a:r>
+            <a:endParaRPr lang="en-US" altLang="zh-CN" sz="2400" dirty="0" smtClean="0">
+              <a:solidFill>
+                <a:prstClr val="black">
+                  <a:lumMod val="75000"/>
+                  <a:lumOff val="25000"/>
+                </a:prstClr>
+              </a:solidFill>
+              <a:latin typeface="+mj-ea"/>
+              <a:ea typeface="+mj-ea"/>
+            </a:endParaRPr>
+          </a:p>
+          <a:p>
+            <a:r>
+              <a:rPr lang="en-US" altLang="zh-CN" sz="2400" b="1" i="1" dirty="0" smtClean="0">
+                <a:solidFill>
+                  <a:prstClr val="black">
+                    <a:lumMod val="75000"/>
+                    <a:lumOff val="25000"/>
+                  </a:prstClr>
+                </a:solidFill>
+                <a:latin typeface="+mj-ea"/>
+                <a:ea typeface="+mj-ea"/>
+              </a:rPr>
+              <a:t>4.</a:t>
+            </a:r>
+            <a:r>
+              <a:rPr lang="en-US" altLang="zh-CN" sz="2400" dirty="0" smtClean="0">
+                <a:solidFill>
+                  <a:prstClr val="black">
+                    <a:lumMod val="75000"/>
+                    <a:lumOff val="25000"/>
+                  </a:prstClr>
+                </a:solidFill>
+                <a:latin typeface="+mj-ea"/>
+                <a:ea typeface="+mj-ea"/>
+              </a:rPr>
+              <a:t> Controller:</a:t>
+            </a:r>
+            <a:r>
+              <a:rPr lang="zh-CN" altLang="en-US" sz="2400" dirty="0" smtClean="0">
+                <a:solidFill>
+                  <a:prstClr val="black">
+                    <a:lumMod val="75000"/>
+                    <a:lumOff val="25000"/>
+                  </a:prstClr>
+                </a:solidFill>
+                <a:latin typeface="+mj-ea"/>
+                <a:ea typeface="+mj-ea"/>
+              </a:rPr>
+              <a:t>用来</a:t>
+            </a:r>
+            <a:r>
+              <a:rPr lang="zh-CN" altLang="en-US" sz="2400" dirty="0">
+                <a:solidFill>
+                  <a:prstClr val="black">
+                    <a:lumMod val="75000"/>
+                    <a:lumOff val="25000"/>
+                  </a:prstClr>
+                </a:solidFill>
+                <a:latin typeface="+mj-ea"/>
+                <a:ea typeface="+mj-ea"/>
+              </a:rPr>
+              <a:t>接收和返回页面传过来的信息</a:t>
+            </a:r>
+            <a:r>
+              <a:rPr lang="en-US" altLang="zh-CN" sz="2400" dirty="0">
+                <a:solidFill>
+                  <a:prstClr val="black">
+                    <a:lumMod val="75000"/>
+                    <a:lumOff val="25000"/>
+                  </a:prstClr>
+                </a:solidFill>
+                <a:latin typeface="+mj-ea"/>
+                <a:ea typeface="+mj-ea"/>
+              </a:rPr>
+              <a:t>. </a:t>
+            </a:r>
+            <a:endParaRPr lang="en-US" altLang="zh-CN" sz="2400" dirty="0" smtClean="0">
+              <a:solidFill>
+                <a:prstClr val="black">
+                  <a:lumMod val="75000"/>
+                  <a:lumOff val="25000"/>
+                </a:prstClr>
+              </a:solidFill>
+              <a:latin typeface="+mj-ea"/>
+              <a:ea typeface="+mj-ea"/>
+            </a:endParaRPr>
+          </a:p>
+          <a:p>
+            <a:r>
+              <a:rPr lang="en-US" altLang="zh-CN" sz="2400" b="1" i="1" dirty="0" smtClean="0">
+                <a:solidFill>
+                  <a:prstClr val="black">
+                    <a:lumMod val="75000"/>
+                    <a:lumOff val="25000"/>
+                  </a:prstClr>
+                </a:solidFill>
+                <a:latin typeface="+mj-ea"/>
+                <a:ea typeface="+mj-ea"/>
+              </a:rPr>
+              <a:t>5.</a:t>
+            </a:r>
+            <a:r>
+              <a:rPr lang="en-US" altLang="zh-CN" sz="2400" dirty="0" smtClean="0">
+                <a:solidFill>
+                  <a:prstClr val="black">
+                    <a:lumMod val="75000"/>
+                    <a:lumOff val="25000"/>
+                  </a:prstClr>
+                </a:solidFill>
+                <a:latin typeface="+mj-ea"/>
+                <a:ea typeface="+mj-ea"/>
+              </a:rPr>
+              <a:t> Web:</a:t>
+            </a:r>
+            <a:r>
+              <a:rPr lang="zh-CN" altLang="en-US" sz="2400" dirty="0" smtClean="0">
+                <a:solidFill>
+                  <a:prstClr val="black">
+                    <a:lumMod val="75000"/>
+                    <a:lumOff val="25000"/>
+                  </a:prstClr>
+                </a:solidFill>
+                <a:latin typeface="+mj-ea"/>
+                <a:ea typeface="+mj-ea"/>
+              </a:rPr>
+              <a:t>前端</a:t>
             </a:r>
             <a:r>
               <a:rPr lang="zh-CN" altLang="en-US" sz="2400" dirty="0" smtClean="0">
@@ -9193,7 +9434,6 @@
               <a:buSzTx/>
               <a:buFontTx/>
               <a:buNone/>
-              <a:tabLst/>
               <a:defRPr/>
             </a:pPr>
             <a:endParaRPr kumimoji="0" lang="zh-CN" altLang="en-US" sz="1800" b="0" i="0" u="none" strike="noStrike" kern="0" cap="none" spc="0" normalizeH="0" baseline="0" noProof="0">
@@ -9206,8 +9446,8 @@
               <a:effectLst/>
               <a:uLnTx/>
               <a:uFillTx/>
-              <a:latin typeface="华文细黑"/>
-              <a:ea typeface="华文细黑"/>
+              <a:latin typeface="华文黑体" panose="02010600040101010101" charset="-122"/>
+              <a:ea typeface="华文黑体" panose="02010600040101010101" charset="-122"/>
             </a:endParaRPr>
           </a:p>
         </p:txBody>
@@ -9254,7 +9494,6 @@
               <a:buSzTx/>
               <a:buFontTx/>
               <a:buNone/>
-              <a:tabLst/>
               <a:defRPr/>
             </a:pPr>
             <a:endParaRPr kumimoji="0" lang="zh-CN" altLang="en-US" sz="1800" b="0" i="0" u="none" strike="noStrike" kern="0" cap="none" spc="0" normalizeH="0" baseline="0" noProof="0">
@@ -9267,8 +9506,8 @@
               <a:effectLst/>
               <a:uLnTx/>
               <a:uFillTx/>
-              <a:latin typeface="华文细黑"/>
-              <a:ea typeface="华文细黑"/>
+              <a:latin typeface="华文黑体" panose="02010600040101010101" charset="-122"/>
+              <a:ea typeface="华文黑体" panose="02010600040101010101" charset="-122"/>
             </a:endParaRPr>
           </a:p>
         </p:txBody>
@@ -9315,7 +9554,6 @@
               <a:buSzTx/>
               <a:buFontTx/>
               <a:buNone/>
-              <a:tabLst/>
               <a:defRPr/>
             </a:pPr>
             <a:endParaRPr kumimoji="0" lang="zh-CN" altLang="en-US" sz="1800" b="0" i="0" u="none" strike="noStrike" kern="0" cap="none" spc="0" normalizeH="0" baseline="0" noProof="0">
@@ -9328,8 +9566,8 @@
               <a:effectLst/>
               <a:uLnTx/>
               <a:uFillTx/>
-              <a:latin typeface="华文细黑"/>
-              <a:ea typeface="华文细黑"/>
+              <a:latin typeface="华文黑体" panose="02010600040101010101" charset="-122"/>
+              <a:ea typeface="华文黑体" panose="02010600040101010101" charset="-122"/>
             </a:endParaRPr>
           </a:p>
         </p:txBody>
@@ -9376,7 +9614,6 @@
               <a:buSzTx/>
               <a:buFontTx/>
               <a:buNone/>
-              <a:tabLst/>
               <a:defRPr/>
             </a:pPr>
             <a:endParaRPr kumimoji="0" lang="zh-CN" altLang="en-US" sz="1800" b="0" i="0" u="none" strike="noStrike" kern="0" cap="none" spc="0" normalizeH="0" baseline="0" noProof="0">
@@ -9389,8 +9626,8 @@
               <a:effectLst/>
               <a:uLnTx/>
               <a:uFillTx/>
-              <a:latin typeface="华文细黑"/>
-              <a:ea typeface="华文细黑"/>
+              <a:latin typeface="华文黑体" panose="02010600040101010101" charset="-122"/>
+              <a:ea typeface="华文黑体" panose="02010600040101010101" charset="-122"/>
             </a:endParaRPr>
           </a:p>
         </p:txBody>
@@ -9427,7 +9664,7 @@
                   </a:prstClr>
                 </a:solidFill>
                 <a:latin typeface="Impact" panose="020B0806030902050204" pitchFamily="34" charset="0"/>
-                <a:ea typeface="华文细黑"/>
+                <a:ea typeface="华文黑体" panose="02010600040101010101" charset="-122"/>
               </a:rPr>
               <a:t>项目组成</a:t>
             </a:r>
@@ -9439,7 +9676,7 @@
                 </a:prstClr>
               </a:solidFill>
               <a:latin typeface="Impact" panose="020B0806030902050204" pitchFamily="34" charset="0"/>
-              <a:ea typeface="华文细黑"/>
+              <a:ea typeface="华文黑体" panose="02010600040101010101" charset="-122"/>
             </a:endParaRPr>
           </a:p>
         </p:txBody>
@@ -9502,7 +9739,7 @@
           <p:nvPr/>
         </p:nvPicPr>
         <p:blipFill>
-          <a:blip r:embed="rId4">
+          <a:blip r:embed="rId2">
             <a:extLst>
               <a:ext uri="{28A0092B-C50C-407E-A947-70E740481C1C}">
                 <a14:useLocalDpi xmlns:a14="http://schemas.microsoft.com/office/drawing/2010/main" val="0"/>
@@ -9524,22 +9761,17 @@
         </p:spPr>
       </p:pic>
     </p:spTree>
-    <p:extLst>
-      <p:ext uri="{BB962C8B-B14F-4D97-AF65-F5344CB8AC3E}">
-        <p14:creationId xmlns:p14="http://schemas.microsoft.com/office/powerpoint/2010/main" val="374043255"/>
-      </p:ext>
-    </p:extLst>
   </p:cSld>
   <p:clrMapOvr>
     <a:masterClrMapping/>
   </p:clrMapOvr>
-  <mc:AlternateContent xmlns:mc="http://schemas.openxmlformats.org/markup-compatibility/2006" xmlns:p14="http://schemas.microsoft.com/office/powerpoint/2010/main">
-    <mc:Choice Requires="p14">
+  <mc:AlternateContent xmlns:mc="http://schemas.openxmlformats.org/markup-compatibility/2006">
+    <mc:Choice xmlns:p14="http://schemas.microsoft.com/office/powerpoint/2010/main" Requires="p14">
       <p:transition spd="slow" p14:dur="1600">
         <p:blinds dir="vert"/>
       </p:transition>
     </mc:Choice>
-    <mc:Fallback xmlns="">
+    <mc:Fallback>
       <p:transition spd="slow">
         <p:blinds dir="vert"/>
       </p:transition>
@@ -10256,7 +10488,7 @@
                         <p:par>
                           <p:cTn id="47" fill="hold">
                             <p:stCondLst>
-                              <p:cond delay="3000"/>
+                              <p:cond delay="1000"/>
                             </p:stCondLst>
                             <p:childTnLst>
                               <p:par>
@@ -10491,7 +10723,7 @@
           <p:nvPr/>
         </p:nvPicPr>
         <p:blipFill>
-          <a:blip r:embed="rId4">
+          <a:blip r:embed="rId2">
             <a:extLst>
               <a:ext uri="{28A0092B-C50C-407E-A947-70E740481C1C}">
                 <a14:useLocalDpi xmlns:a14="http://schemas.microsoft.com/office/drawing/2010/main" val="0"/>
@@ -10778,22 +11010,17 @@
         </p:txBody>
       </p:sp>
     </p:spTree>
-    <p:extLst>
-      <p:ext uri="{BB962C8B-B14F-4D97-AF65-F5344CB8AC3E}">
-        <p14:creationId xmlns:p14="http://schemas.microsoft.com/office/powerpoint/2010/main" val="2803818444"/>
-      </p:ext>
-    </p:extLst>
   </p:cSld>
   <p:clrMapOvr>
     <a:masterClrMapping/>
   </p:clrMapOvr>
-  <mc:AlternateContent xmlns:mc="http://schemas.openxmlformats.org/markup-compatibility/2006" xmlns:p14="http://schemas.microsoft.com/office/powerpoint/2010/main">
-    <mc:Choice Requires="p14">
+  <mc:AlternateContent xmlns:mc="http://schemas.openxmlformats.org/markup-compatibility/2006">
+    <mc:Choice xmlns:p14="http://schemas.microsoft.com/office/powerpoint/2010/main" Requires="p14">
       <p:transition spd="med" p14:dur="700">
         <p:fade/>
       </p:transition>
     </mc:Choice>
-    <mc:Fallback xmlns="">
+    <mc:Fallback>
       <p:transition spd="med">
         <p:fade/>
       </p:transition>
@@ -10942,7 +11169,7 @@
                         <p:par>
                           <p:cTn id="15" fill="hold">
                             <p:stCondLst>
-                              <p:cond delay="1500"/>
+                              <p:cond delay="1000"/>
                             </p:stCondLst>
                             <p:childTnLst>
                               <p:par>
@@ -11090,33 +11317,19 @@
 </file>
 
 <file path=ppt/tags/tag1.xml><?xml version="1.0" encoding="utf-8"?>
-<p:tagLst xmlns:a="http://schemas.openxmlformats.org/drawingml/2006/main" xmlns:r="http://schemas.openxmlformats.org/officeDocument/2006/relationships" xmlns:p="http://schemas.openxmlformats.org/presentationml/2006/main">
-  <p:tag name="ISPRING_ULTRA_SCORM_COURSE_ID" val="E81A452A-234A-4E0B-9B6D-F8F88C8EBCF0"/>
-  <p:tag name="ISPRING_SCORM_RATE_SLIDES" val="1"/>
-  <p:tag name="ISPRINGONLINEFOLDERID" val="0"/>
-  <p:tag name="ISPRINGONLINEFOLDERPATH" val="內容清單"/>
-  <p:tag name="ISPRINGCLOUDFOLDERID" val="0"/>
-  <p:tag name="ISPRINGCLOUDFOLDERPATH" val="函式庫"/>
-  <p:tag name="ISPRING_PLAYERS_CUSTOMIZATION" val="UEsDBBQAAgAIABS9OUkVDq0oZAQAAAcRAAAdAAAAdW5pdmVyc2FsL2NvbW1vbl9tZXNzYWdlcy5sbmetWG1v2zYQ/l6g/4EQUGADtrQd0KIYEge0xNhEZMmV6DjZCwRGYmwilJjpxW32ab9mP2y/ZEfKTuK+QFISwDZMyvfc8e6eu6MPjz/nCm1EWUldHDlvD944SBSpzmSxOnIW7OTnDw6qal5kXOlCHDmFdtDx6OWLQ8WLVcNXAr6/fIHQYS6qCpbVyKzu10hmR858nLjhbI6Di8QPJ2EyphNn5Or8hhe3yNcr/Uf5wy/vP3x+++79j4evt5J9gOIZ9v19KGSR3r3pARSwKPQTQCN+EpBz5ozM5zC5cMF8GhBntP0yTHoekTNnZD475RZRRAKWxD71SELjJAiZ9YVPGPGc0YVu0JpvBKo12kjxCdVrAZGsZSlQpWRmH6QaNopGdCnzwhmmQRKRmEXUZTQMnFGsy/L2JwvLm3qtS1BXoUxW/FKJzOqEnLHPb0pRgWpeQ04heNVrCb/UOZfFQafqCC9pMElYGPpxQgJvt+OMSJEhr+RGzUCUCMckAoCSV6J8hGxis8yKI6zUMIQpnUx9eDNjwlSu1gre9VA75gRiMBdFlxTkCIkgu+J4GUaecRqoQhzd8Kr6pMtsLz8eBqoLmAZuCCnosgfgzGDsgCHGEipHWYq07gKbkTjGE5KMw3NIZOBdOEQiPAW6nQ6RuCAxUITEXTIBPqMTbBLeUGyX/zt+pdyks7pFPE1BzrhvI3VTwY5xKbDAMq06GKYmJh8XEDaK/e/QuEUF79rVSm4E2FFmouxUBJXFJZ7Joo8L+ltygqlPvATSyguXCbMlz2jM+S0qdI14tuFFKtClSHkDuX4LzzKZ2Wcmzlb/X438G/F6W1VebQtS4JHzV0Pt2ath3zCrqcCmuhb5Td2l2jhsa/5jrDA5/V0T+hz9cfpjlwQ4ouHzRKaSeaPaqvvk+NxZNjRGnUY80VP9o/XclsRtbR1TKFhjqftLEOimpn9AA1T9pWhwAormbYmGGk6LqwE6g3ALEGj0WIwzcNWeCWfgwgHySzKOKYPZaCkuK1l3jh2WjW2Avh3aFOY8JWpxT8ZLcaVhwlGCb9rpA7qQjXRnQB8MN3utglHmg8kBAK7a5AFIJXOwP+uBuZiRnQfaAr93kqVuVGbJq+S1LfLg2yYXX49NV6XO7a7i1S552yZz/BQr2sNFrdL5gPZ/x7/e8XlAv8dHKSY4cqeJiwOXmEHfcFX1FAIKGFf4LE58PDbiwIWc1+kamumVboqsJ1A7q3vkBAPY9syx4GW6/u+ff3tifGFJu4u2u78OAgFimypI7sB+D3Qtqj+7QBge78vZRR+p7d1mJ9fzqsMoZOGz3CF421pyncPWQbdeSPJt0DBj2J3OgAexTXvdlDC6DUGY4egUapmdwp3RjJfXUAiZ1moQinW1ScB6mPb762VTK1mIIbJPayXmwIzOE+x59q4N5FMyvW57ZgY3inR76VZw6e4L5k5xAHX2CzyRyXogoG1NuyoERG/X9zTffN2p7laV/cvi8PWDfzD+B1BLAwQUAAIACAAUvTlJJGX/Cx0DAAA2DAAAJwAAAHVuaXZlcnNhbC9mbGFzaF9wdWJsaXNoaW5nX3NldHRpbmdzLnhtbNVW3W7aMBS+5yksT70sabt261CgqgpoVVtAhWnrVWViQ6z6J4ttKL3a0+zB9iQ7joGC2nXpD9ImFBEfn/OdX39xfHQrBZqw3HCt6ni3uoMRU4mmXI3r+MugvX2IkbFEUSK0YnWsNEZHjUqcuaHgJu0za0HVIIBRppbZOk6tzWpRNJ1Oq9xkud/VwlnAN9VEyyjLmWHKsjzKBJnBn51lzOA5QgkAeKRWc7NGpYJQHJAuNHWCIU4hcsV9UkS0BTEpjoLakCQ341w7RU+00DnKx8M6fnd47H8LnQDV5JIpXxPTAKEX2xqhlPsoiOjzO4ZSxscphLu3j9GUU5sWr5HXj6OHKAV2SJ14lBMNNVB2Di+ZJZRYEpbBn2W31iwEQURnikieDGAH+fzruDm4/nzVa12en3bOrgfd7vngtBeCKGyidZw4WncUQ0Da5Qlb+omJtSRJIW6wGRFhWBytihZqI63WgvNrNNQCal9YwRjJIaMdItlKN/o3XLVBcxejESQiZnV8nHMiMOKWCJ4sjY0bGstt0fX2qiYCLBhPhi76+N59qE6Sktyw1bAWO8bXPGl81U5QNNMOCX7DkNUI8ncS3lKGVpuDRrmWhRTGxyIjOHiccDZl9Kio6RzwT46uwIV0YAmzmglmg4fvjt+hIRvpHHAZmcBkg5ybgF99FnBGjLkHJYsYt/rnp83W9Wmn2fq25RMkdEJU8kxwaDiTmd0IPpkhpe3CDsqREGdY0RTKabFXJrfqy9tguHQitPmtm7ECvcGWbMbLcxrz1whKu03JpDiI/nAV0HAEObQkYMJGAnTBlWNlAROikFZihkgCtGb8sZ5w7QxIwgEO0OblEQZ7xFWxGgO1gcecsrwU5M7u3vv9gw8fDz/VqtGvHz+3nzSaE35PEO8uMP7Jk5S/pP2HbBhHnqUfJ22bu3+Ts69a/TJl7XTLaHXPymhdho9Cb+WDUCoEIJFxOBRAI4JLbhl9y5F4QVtf9S0OM7GZtm4w59eM8n+Tclgtr3Vr97g4evSi6XckV1xCITyFLW+njYP9HbgZPrpVqQDa+l2/UfkNUEsDBBQAAgAIABS9OUlYCaByugIAAFUKAAAhAAAAdW5pdmVyc2FsL2ZsYXNoX3NraW5fc2V0dGluZ3MueG1slVZtb+IwDP5+vwJx3+nulZ2UITHGSZN2t+k27XvamjYiTarEZce/vyRNaQJ09LAmEft5bMexzYjeMrH4MJmQTHKpngGRiUJbTaebsPxmmjaIUswyKRAEzoRUFeXTxcef7kMSh7zEkjtQYzkbmkEfZu4+Yyg+xre5lSFCJquaiv2DLOQspdm2ULIR+cXUyn0NijOxNcirH/PVejAAZxrvEaoop/W1lXGUWoHWYFP6vrZykcVpCryLdOU+Izl9qPdvf0TbMc3Q0ZafrAzRalpAXOTrpZVhvDDe41eZW3mfgPAXDfTLZyuDUE73oGLnd1+tDDJk3dT/0yO1koUtaMx5/xEPHC5pbsbPZnVl5SLBXsgGuvgKvjzurncByH8N557YcVWSP9m6Hi0E++gph8WGcg0k6Y6tUZfy7bFBMyAHQKjqQU8m6yfaaFigajyq1/W4P/DGRB768poe8ip5U8GqzThwF+t7/Gp165ZF6PSgCzJUsPPKIMVe2SN/m8KeIANlj3zmLIdHwfcn8GNLy+ke+Zb65wzq33Kj8hsrCGqOubd2p85qIz3Y0dVBaK/oMJXMYaFtOi+sAvtsJHG6NqXkJCci6I4VFJkUvywu3bvLaJIcGXyvne8sggw5nGs4l6NZ0+F7ufOIfmx/FvrLtecJmi1+M6WINCsr87OkpxPPM2NiCjNNzjPsnjRwUPdiIwOOiz1EqqjagnqRko8NIySCHutetrM1BCdJUAOSnK8y8U7OlV80VQpqbV6Nge6qHCtbYMmKkps/fGXwBvkRY8DaUrE0/gRlh74MFL4JgKqs7Lq2PbSWquHIOOygm/1A4a48dDeiTZcONdwSH2CDYct5zaie9Kui75V4hQT6M/hXk1bk+Mgyou2RptrdLJr8bgv3uUR7udtmtvnCRebOvpcix8Z+WkGjtP9O/gNQSwMEFAACAAgAFL05SUZ2oPzyAgAARwsAACYAAAB1bml2ZXJzYWwvaHRtbF9wdWJsaXNoaW5nX3NldHRpbmdzLnhtbM1W3U7bMBS+71NYnrikAcY2VqVFiIJAY7SinTau0GnsNhaOndlOS7na0+zB9iQ7jtvSCtYFRKepihofn/OdP58vjg/vMknG3FihVZPu1nco4SrRTKhRk37pn24fUGIdKAZSK96kSlNy2KrFeTGQwqY97hyqWoIwyjZy16Spc3kjiiaTSV3Y3PhdLQuH+Lae6CzKDbdcOW6iXMIU/9w055bOECoA4JNpNTNr1WqExAHps2aF5EQwjFwJnxTIM5dJGgWtASS3I6MLxY611IaY0aBJ3xwc+d9cJyC1RcaVL4ltodCLXQMYEz4IkD1xz0nKxSjFaPf2KZkI5tLyNfL6cfQYpcQOmYNHOdZYAuVm8Bl3wMBBWAZ/jt85OxcEEZsqyETSxx3i02/Sdv/m7Lp7cnVxfvnppt/pXPTPuyGI0iZaxYmjVUcxBqQLk/CFnxicgyTFuNFmCNLyOFoWzdWGWq0E59dkoCWWvrSiZIiRymmTHhkBkhLhQIpksevAjLg7FRJz8La79aFy9AEw5JukYCxfdjTfsb6KSeurLiQjU10QKW45cZpgRkWGbykny+UmQ6OzUirBOmKlYJyMBZ9wdlhWaQb4J0fX6CIr0BIPXy65Cx6+F+KeDPhQG8TlMMajinJhA379WcA5WPsACvMYt3oX5+2Tm/PL9sm3LZ8gsDGo5Jng2EKe5W4j+DAlSru5HZYjgcLysilMsHKvSm71l7fBiqyQoc2v3Ywl6A22ZDNentOYv0ZQ2W0K43IQ/XCV0DiCAlsSMHEjwXEXquBVARNQRCs5JZAgUVk/1mOhC4uSMMAB2r48wmBPhCpXI/xyoEfDuKkEubO793b/3fsPBx8b9ejXj5/ba41mFN6V4N0FDj9eS+ILIn/MhnHkufNpGnam+FcsfH3Sq1Koy04Vrc6nKlpXgea7SxRfKQSkhVE45kgMUmTCcfaaTX5Bo9Z/L0MbX6lRG8xi7XH7f5MIq8X1aOU+FEdPXthqKF+9/LZqvwFQSwMEFAACAAgAFL05SRypIBCZAQAAHwYAAB8AAAB1bml2ZXJzYWwvaHRtbF9za2luX3NldHRpbmdzLmpzjZRNb8IwDIbv/AqUXSfEPmG7ocGkSRwmjdu0QyimVKRJlaQdDPHfV4ePNqk7Fl/Iy5PXsat41+mWi0Ws+9zdud9u/+7vnQaoWZ3Dta+LFj1FnRmRLGCWpCASCSxAitPRs7yvCMqYSWc6336gran5MYX/LLkwdTwjLDShGepwQYnfxOkNBf54tR3rOtRUa/Q8t1bJXqSkBWl7UumUO4ZdvbpVLzGAVQH6ArrkEXimA7fayMrxYYBR5yKVZlxupypWvTmP1rFWuVy05V9tM9DlJ18fgP7T4GXi2YnE2DcLaZh4MsRoJzMNxsAx7+MEg4QFn4Oo+fbd+gP1jJsFBXSRmMSe6NENRp3OeAyNLg1HGD4mS69GNwcYTc7Cxh6Iu1sMjxB8C7phNb7H8ECV5dk/PmCmVYwdaaDNnp9RofgikfExdR+D5PCyaNvWvapQd/0x856QCp7Qinp9advsCEFDgJZ8uibIO6XsBCVKIociNGpaVUPIu4wN5wjuP7uMW8ujVVqOh3I4lm3geg16ppQob/916Z5hrs7+F1BLAwQUAAIACAAUvTlJPTwv0cEAAADlAQAAGgAAAHVuaXZlcnNhbC9pMThuX3ByZXNldHMueG1snZGxCsIwEIb3PkW43cRupSR1E9wcdJaaphppLyWXWh/flIp0kYBDIP/xfT8kJ3evvmNP48k6VJDzLTCD2jUWbwrOp/2mAEahxqbuHBoF6IDtqkzavMCjN2QCsViBpOAewlAKMU0TtzT42ECuG0MsJq5dL+LpHYrZFMOiwuKW9i/7M4MqyxiT19F24YBVvMe0IIy8VjA7F43cYutA/AIakwBMqsFQAmh9AngMCcCPK0CK75vnpEcK8aNikGK1nip7A1BLAwQUAAIACAAUvTlJNfmkRGYAAABrAAAAHAAAAHVuaXZlcnNhbC9sb2NhbF9zZXR0aW5ncy54bWwNyjsOg0AMBcCeU1ju8+tSsFBESkkKyAEssCIk73PEWlG4PdtNMW3/z0Y/3crqSHw7X5kUsy8rPonf0/N0ZyohWMQcmhjO1HdNaz6LjRpRY6Gvya7bpLkidJBc58MRiqAXbOdL1xxQSwMEFAACAAgARJRXRyO0Tvv7AgAAsAgAABQAAAB1bml2ZXJzYWwvcGxheWVyLnhtbK1V30/bMBB+LtL+h8jv2C0dA6oExJDQHsaE1LHtrTKJm3hN4sx2COWv39nO76VsSHtolZzv++58993Fv3rOUu+JScVFHqAFniOP5aGIeB4H6OHr7fE5urp8d+QXKd0z6fEoQGXODYCmyIuYCiUvNIDvqU4C1DNgYEZeIbmQXO+B+xS420gnS/TuaAYuuQpQonWxIqSqKswVIPJYibQ0JAqHIiOFZIrlmkni0kBeg13pv6Phl4mc6H3BVA9Z6LcHrklajmfFByTVEgsZk5P5fEF+3H1ehwnL6DHPlaZ5yJAHlZzZUj7ScHcnojJlythmvktyzbQ2SVjbzNcrvjjPPSXDADmHTcaUojFTOM1jRByWTID9bUpVUvOoAa3hVTte81q/jXnfNG62c6RzLsrHlKsEjvqQzjoJ9Mkwqp/Z61oFPTQKujVMyJPsV8kli+zrt1aM8wVyAVvF2TyxqkI4gKdbGmoh9zcAAxXVHcRt07BrGraglgO30dcdBWpuu2VUl5I1pZr5Tzxi4guVkhpZXGpZMp+MjDWWDME+cVeum9Q1xE90lp7+Q2+M36g1P9VrnbGA/9GYT0DU1oTnEXu+5eCjWQY11QyKbWxYFyk2MbucVPmY9XQ9MLkc66bARTxNZcxgDCOqKens5BCUSarAJSzlCNs7OAhOeJyk8NOTDOPTgzQZlbtJht7BQXAqwt0EtDW3ZSTjOo7E1CrIJxPrxA9LpUXGX6w8B3tGr6wOXxu55ui64O3B2fyPURzEaAZziyZWl3nq7avm8N7MqVadz6ZwloFaYR6YLgvn1cxCWYx8IralZapv+jk1+7AHHeU8NR3TXN9B76Ja8xfmVTwyX7rF0tQkYUYzAfpwvuwxQD9huwzCW9OhiFuRN3XAmNg3928r2mz5unWu64c67EMNnzirHMbN1EdQRyxFmUejHuKi+4ioFHbatWTUS9kWbrQ4AZGKIkDv4aG+88XpRXfls8VFg7V53bvALpc3rPQ64U5BpNZ1exG/3g3w+BtQSwMEFAACAAgAFL05SW42vD5uAQAA9wIAACkAAAB1bml2ZXJzYWwvc2tpbl9jdXN0b21pemF0aW9uX3NldHRpbmdzLnhtbI1S22obMRB9z1eI/IAljW4LW4NuWwzFKcQQ8lQWrxKWOtqyUmgp+vhqkxjHrUureZo5Z84wo9Omr2O0zylPT+PPPo9TvA05j/Exra8QavfTYZo/zyGFnFanyt0Yh+n7Jj5MS61WU+7j0M+DXdC0xqh7eUhJrZyqGTOMIsk89Qo5z23FGnAN2Io5Smy7+k3iVXcO+xDzZdV2dYb+2bCJKcx5E4fwYw3n7PfQ+QYf534YKy+tBVuiHKcWx5ZAjHDJfaEaAASy3BGHi5SN1AR5zDiGYhQFCohwThpRiKQcatY1oqow3wjEJGPUFepp7UZaG0dtkdAQous0rxpbus5IjBEhBJgrXEBnMKpsqBoa1HJAcGBAFG00UYA625mOFe+8sBwp6gXGhRkDGJ+Oe9ru/blO1f9e53jOfwhe/IKL6OKt1QVztfvnea7kXXj6duhzQOPw4drebHd+u/tys/10f/3myxcPH1mLWevWf/X2L1BLAwQUAAIACAAUvTlJpeGFFHkCAADzVwAAFwAAAHVuaXZlcnNhbC91bml2ZXJzYWwucG5n7dzda1JhHAfwxzSxpWJ1czZsXnUxsqU2lsVam/gyGRsihisq3chmF81KL1zY0qjWKxbUYNHWwhGywJFBUTSTDQpmNKQXYbZcrC27sBEUFdPW2eU8p+gP+B44v4fnPM/v+TznH/ieNzUbRCVlJYQQkbFBayaEFySEe1TAp78cHu+dpQeO22zQkMhL6Wd6wmuvb6on5F5wdb51JT1fdaRht5sQ8djSy3nuCh8gxHrOqK23ePfn0srGMROl/5BfzKQ2NN6RZM3ZtVnLyPUejaTm7olKj+lmrUwqHn5VyOUWumyp7zF5Ysa9vc/3zs/hU/bl5ecnfv8mp+d2svt95lu+LV0t+b2NpzQJHcV7A08pqi/7q/xr9tgjgWF0DVeoiJPlJZ6IZ3UzTQ/TIqGi2FkqYr5+641ni9GCI/Kx/cUkc0tgQqV4nKyauO8dlKuKT6eLVHipo6ri7K1dwkKsECst7h+gJEGLztHL8pdv/F5e904J885+r2WupeutL8jSpLR3DsqHEixNs1f3hKktzBtO0SvRcCXLSo9hvG3zxY65g4zT/oGYh66pgAABAgQIECBAgAABAgQIECBAgAABAgQIECBAgAABAgQIECBAgAABAgQIECBAgAABAgQIECBAgAABAgQIECBAgAABAgQIECBAgAABAgQIECBAgAABAgQIECBAgAABAuR/kPh8ItTZz+GcZoat2qftdk/o0D6repolOZZSU9SUc/LHerH6r8GyXzKudHUdaWXp9pZSI84nhpqyeV8td4WALbo2tG5HZmP5Zdfe4dRCVH6lbpSZPusbCCTP6GXHT9oqbBqr7PWFB4R+jLpmbURjP/UHUEsDBBQAAgAIABS9OUnsHTlbSgAAAGsAAAAbAAAAdW5pdmVyc2FsL3VuaXZlcnNhbC5wbmcueG1ss7GvyM1RKEstKs7Mz7NVMtQzULK34+WyKShKLctMLVeoAIoZ6RlAgJJCJSq3PDOlJAMoZGhijBDMSM1MzyixVbIwNYcL6gPNBABQSwECAAAUAAIACAAUvTlJFQ6tKGQEAAAHEQAAHQAAAAAAAAABAAAAAAAAAAAAdW5pdmVyc2FsL2NvbW1vbl9tZXNzYWdlcy5sbmdQSwECAAAUAAIACAAUvTlJJGX/Cx0DAAA2DAAAJwAAAAAAAAABAAAAAACfBAAAdW5pdmVyc2FsL2ZsYXNoX3B1Ymxpc2hpbmdfc2V0dGluZ3MueG1sUEsBAgAAFAACAAgAFL05SVgJoHK6AgAAVQoAACEAAAAAAAAAAQAAAAAAAQgAAHVuaXZlcnNhbC9mbGFzaF9za2luX3NldHRpbmdzLnhtbFBLAQIAABQAAgAIABS9OUlGdqD88gIAAEcLAAAmAAAAAAAAAAEAAAAAAPoKAAB1bml2ZXJzYWwvaHRtbF9wdWJsaXNoaW5nX3NldHRpbmdzLnhtbFBLAQIAABQAAgAIABS9OUkcqSAQmQEAAB8GAAAfAAAAAAAAAAEAAAAAADAOAAB1bml2ZXJzYWwvaHRtbF9za2luX3NldHRpbmdzLmpzUEsBAgAAFAACAAgAFL05ST08L9HBAAAA5QEAABoAAAAAAAAAAQAAAAAABhAAAHVuaXZlcnNhbC9pMThuX3ByZXNldHMueG1sUEsBAgAAFAACAAgAFL05STX5pERmAAAAawAAABwAAAAAAAAAAQAAAAAA/xAAAHVuaXZlcnNhbC9sb2NhbF9zZXR0aW5ncy54bWxQSwECAAAUAAIACABElFdHI7RO+/sCAACwCAAAFAAAAAAAAAABAAAAAACfEQAAdW5pdmVyc2FsL3BsYXllci54bWxQSwECAAAUAAIACAAUvTlJbja8Pm4BAAD3AgAAKQAAAAAAAAABAAAAAADMFAAAdW5pdmVyc2FsL3NraW5fY3VzdG9taXphdGlvbl9zZXR0aW5ncy54bWxQSwECAAAUAAIACAAUvTlJpeGFFHkCAADzVwAAFwAAAAAAAAAAAAAAAACBFgAAdW5pdmVyc2FsL3VuaXZlcnNhbC5wbmdQSwECAAAUAAIACAAUvTlJ7B05W0oAAABrAAAAGwAAAAAAAAABAAAAAAAvGQAAdW5pdmVyc2FsL3VuaXZlcnNhbC5wbmcueG1sUEsFBgAAAAALAAsASQMAALIZAAAAAA=="/>
-  <p:tag name="ISPRING_PRESENTATION_TITLE" val="演示文稿1"/>
-  <p:tag name="ISPRING_SCORM_ENDPOINT" val="&lt;endpoint&gt;&lt;enable&gt;0&lt;/enable&gt;&lt;lrs&gt;http://&lt;/lrs&gt;&lt;auth&gt;0&lt;/auth&gt;&lt;login&gt;&lt;/login&gt;&lt;password&gt;&lt;/password&gt;&lt;key&gt;&lt;/key&gt;&lt;name&gt;&lt;/name&gt;&lt;email&gt;&lt;/email&gt;&lt;/endpoint&gt;&#10;"/>
+<p:tagLst xmlns:p="http://schemas.openxmlformats.org/presentationml/2006/main">
+  <p:tag name="NORDRI TOOLS WATERMARK" val="1kgzvv05"/>
 </p:tagLst>
 </file>
 
 <file path=ppt/tags/tag2.xml><?xml version="1.0" encoding="utf-8"?>
-<p:tagLst xmlns:a="http://schemas.openxmlformats.org/drawingml/2006/main" xmlns:r="http://schemas.openxmlformats.org/officeDocument/2006/relationships" xmlns:p="http://schemas.openxmlformats.org/presentationml/2006/main">
+<p:tagLst xmlns:p="http://schemas.openxmlformats.org/presentationml/2006/main">
   <p:tag name="NORDRI TOOLS WATERMARK" val="1kgzvv05"/>
 </p:tagLst>
 </file>
 
 <file path=ppt/tags/tag3.xml><?xml version="1.0" encoding="utf-8"?>
-<p:tagLst xmlns:a="http://schemas.openxmlformats.org/drawingml/2006/main" xmlns:r="http://schemas.openxmlformats.org/officeDocument/2006/relationships" xmlns:p="http://schemas.openxmlformats.org/presentationml/2006/main">
-  <p:tag name="NORDRI TOOLS WATERMARK" val="1kgzvv05"/>
-</p:tagLst>
-</file>
-
-<file path=ppt/tags/tag4.xml><?xml version="1.0" encoding="utf-8"?>
-<p:tagLst xmlns:a="http://schemas.openxmlformats.org/drawingml/2006/main" xmlns:r="http://schemas.openxmlformats.org/officeDocument/2006/relationships" xmlns:p="http://schemas.openxmlformats.org/presentationml/2006/main">
+<p:tagLst xmlns:p="http://schemas.openxmlformats.org/presentationml/2006/main">
   <p:tag name="NORDRI TOOLS WATERMARK" val="1kgzvv05"/>
 </p:tagLst>
 </file>
@@ -11343,7 +11556,6 @@
       </a:style>
     </a:spDef>
   </a:objectDefaults>
-  <a:extraClrSchemeLst/>
   <a:extLst>
     <a:ext uri="{05A4C25C-085E-4340-85A3-A5531E510DB2}">
       <thm15:themeFamily xmlns:thm15="http://schemas.microsoft.com/office/thememl/2012/main" name="Office Theme" id="{62F939B6-93AF-4DB8-9C6B-D6C7DFDC589F}" vid="{4A3C46E8-61CC-4603-A589-7422A47A8E4A}"/>
@@ -11395,7 +11607,7 @@
     </a:clrScheme>
     <a:fontScheme name="Office">
       <a:majorFont>
-        <a:latin typeface="Calibri Light" panose="020F0302020204030204"/>
+        <a:latin typeface="Calibri Light"/>
         <a:ea typeface=""/>
         <a:cs typeface=""/>
         <a:font script="Jpan" typeface="ＭＳ Ｐゴシック"/>
@@ -11430,7 +11642,7 @@
         <a:font script="Geor" typeface="Sylfaen"/>
       </a:majorFont>
       <a:minorFont>
-        <a:latin typeface="Calibri" panose="020F0502020204030204"/>
+        <a:latin typeface="Calibri"/>
         <a:ea typeface=""/>
         <a:cs typeface=""/>
         <a:font script="Jpan" typeface="ＭＳ Ｐゴシック"/>
@@ -11603,8 +11815,6 @@
       </a:bgFillStyleLst>
     </a:fmtScheme>
   </a:themeElements>
-  <a:objectDefaults/>
-  <a:extraClrSchemeLst/>
   <a:extLst>
     <a:ext uri="{05A4C25C-085E-4340-85A3-A5531E510DB2}">
       <thm15:themeFamily xmlns:thm15="http://schemas.microsoft.com/office/thememl/2012/main" name="Office Theme" id="{62F939B6-93AF-4DB8-9C6B-D6C7DFDC589F}" vid="{4A3C46E8-61CC-4603-A589-7422A47A8E4A}"/>
